--- a/TIR_Poster.pptx
+++ b/TIR_Poster.pptx
@@ -24,10 +24,11 @@
     <p:embeddedFont>
       <p:font typeface="Quattrocento Sans" panose="020B0502050000020003" pitchFamily="34" charset="0"/>
       <p:regular r:id="rId7"/>
+      <p:bold r:id="rId8"/>
     </p:embeddedFont>
   </p:embeddedFontLst>
   <p:custDataLst>
-    <p:tags r:id="rId8"/>
+    <p:tags r:id="rId9"/>
   </p:custDataLst>
   <p:defaultTextStyle>
     <a:defPPr>
@@ -7020,6 +7021,42 @@
           </a:p>
         </p:txBody>
       </p:sp>
+      <p:pic>
+        <p:nvPicPr>
+          <p:cNvPr id="3" name="Picture 2" descr="A qr code with blue squares&#10;&#10;AI-generated content may be incorrect.">
+            <a:extLst>
+              <a:ext uri="{FF2B5EF4-FFF2-40B4-BE49-F238E27FC236}">
+                <a16:creationId xmlns:a16="http://schemas.microsoft.com/office/drawing/2014/main" id="{8003FB35-8C3C-9161-CD73-31257CE53234}"/>
+              </a:ext>
+            </a:extLst>
+          </p:cNvPr>
+          <p:cNvPicPr>
+            <a:picLocks noChangeAspect="1"/>
+          </p:cNvPicPr>
+          <p:nvPr/>
+        </p:nvPicPr>
+        <p:blipFill>
+          <a:blip r:embed="rId16">
+            <a:extLst>
+              <a:ext uri="{28A0092B-C50C-407E-A947-70E740481C1C}">
+                <a14:useLocalDpi xmlns:a14="http://schemas.microsoft.com/office/drawing/2010/main" val="0"/>
+              </a:ext>
+            </a:extLst>
+          </a:blip>
+          <a:stretch>
+            <a:fillRect/>
+          </a:stretch>
+        </p:blipFill>
+        <p:spPr>
+          <a:xfrm>
+            <a:off x="46710600" y="617859"/>
+            <a:ext cx="2590800" cy="2590800"/>
+          </a:xfrm>
+          <a:prstGeom prst="rect">
+            <a:avLst/>
+          </a:prstGeom>
+        </p:spPr>
+      </p:pic>
     </p:spTree>
   </p:cSld>
   <p:clrMapOvr>

--- a/TIR_Poster.pptx
+++ b/TIR_Poster.pptx
@@ -25,10 +25,12 @@
       <p:font typeface="Quattrocento Sans" panose="020B0502050000020003" pitchFamily="34" charset="0"/>
       <p:regular r:id="rId7"/>
       <p:bold r:id="rId8"/>
+      <p:italic r:id="rId9"/>
+      <p:boldItalic r:id="rId10"/>
     </p:embeddedFont>
   </p:embeddedFontLst>
   <p:custDataLst>
-    <p:tags r:id="rId9"/>
+    <p:tags r:id="rId11"/>
   </p:custDataLst>
   <p:defaultTextStyle>
     <a:defPPr>
@@ -3746,8 +3748,8 @@
         </p:nvSpPr>
         <p:spPr bwMode="auto">
           <a:xfrm>
-            <a:off x="1143000" y="600074"/>
-            <a:ext cx="49301400" cy="2691629"/>
+            <a:off x="1143000" y="7757"/>
+            <a:ext cx="49301400" cy="1234593"/>
           </a:xfrm>
           <a:prstGeom prst="snip2DiagRect">
             <a:avLst/>
@@ -3889,8 +3891,8 @@
         </p:nvSpPr>
         <p:spPr>
           <a:xfrm>
-            <a:off x="9601200" y="711142"/>
-            <a:ext cx="32004000" cy="1134879"/>
+            <a:off x="9601200" y="215454"/>
+            <a:ext cx="30708600" cy="937431"/>
           </a:xfrm>
           <a:prstGeom prst="rect">
             <a:avLst/>
@@ -4056,32 +4058,14 @@
               <a:defRPr/>
             </a:pPr>
             <a:r>
-              <a:rPr lang="en-US" sz="4000" b="1" dirty="0">
+              <a:rPr lang="en-US" sz="5400" b="1" dirty="0">
                 <a:solidFill>
                   <a:sysClr val="windowText" lastClr="000000"/>
                 </a:solidFill>
                 <a:effectLst/>
                 <a:latin typeface="Quattrocento" panose="02020802030000000404" pitchFamily="18" charset="0"/>
               </a:rPr>
-              <a:t>Leveraging Machine Learning to Solve Combinatorial</a:t>
-            </a:r>
-          </a:p>
-          <a:p>
-            <a:pPr algn="ctr" defTabSz="3290950">
-              <a:spcBef>
-                <a:spcPct val="20000"/>
-              </a:spcBef>
-              <a:defRPr/>
-            </a:pPr>
-            <a:r>
-              <a:rPr lang="en-US" sz="4000" b="1" dirty="0">
-                <a:solidFill>
-                  <a:sysClr val="windowText" lastClr="000000"/>
-                </a:solidFill>
-                <a:effectLst/>
-                <a:latin typeface="Quattrocento" panose="02020802030000000404" pitchFamily="18" charset="0"/>
-              </a:rPr>
-              <a:t>Optimization Problems</a:t>
+              <a:t>Leveraging Machine Learning to Solve Combinatorial Optimization Problems</a:t>
             </a:r>
           </a:p>
         </p:txBody>
@@ -4100,8 +4084,8 @@
         </p:nvSpPr>
         <p:spPr>
           <a:xfrm>
-            <a:off x="9296400" y="2241004"/>
-            <a:ext cx="32004000" cy="812530"/>
+            <a:off x="43038710" y="316454"/>
+            <a:ext cx="7443752" cy="430887"/>
           </a:xfrm>
           <a:prstGeom prst="rect">
             <a:avLst/>
@@ -4264,7 +4248,7 @@
               <a:defRPr/>
             </a:pPr>
             <a:r>
-              <a:rPr lang="en-US" sz="2400" dirty="0">
+              <a:rPr lang="en-US" sz="2800" dirty="0">
                 <a:solidFill>
                   <a:sysClr val="windowText" lastClr="000000"/>
                 </a:solidFill>
@@ -4275,7 +4259,7 @@
               <a:t>Ahmed Guetti, Osama </a:t>
             </a:r>
             <a:r>
-              <a:rPr lang="en-US" sz="2400" dirty="0" err="1">
+              <a:rPr lang="en-US" sz="2800" dirty="0" err="1">
                 <a:solidFill>
                   <a:sysClr val="windowText" lastClr="000000"/>
                 </a:solidFill>
@@ -4285,7 +4269,7 @@
               </a:rPr>
               <a:t>Baazzi</a:t>
             </a:r>
-            <a:endParaRPr lang="en-US" sz="2400" dirty="0">
+            <a:endParaRPr lang="en-US" sz="2800" dirty="0">
               <a:solidFill>
                 <a:sysClr val="windowText" lastClr="000000"/>
               </a:solidFill>
@@ -4294,30 +4278,14 @@
               <a:cs typeface="Arial" pitchFamily="34" charset="0"/>
             </a:endParaRPr>
           </a:p>
-          <a:p>
-            <a:pPr algn="ctr">
-              <a:defRPr/>
-            </a:pPr>
-            <a:r>
-              <a:rPr lang="en-US" sz="2400" dirty="0">
-                <a:solidFill>
-                  <a:sysClr val="windowText" lastClr="000000"/>
-                </a:solidFill>
-                <a:effectLst/>
-                <a:latin typeface="Quattrocento" panose="02020802030000000404" pitchFamily="18" charset="0"/>
-                <a:cs typeface="Arial" pitchFamily="34" charset="0"/>
-              </a:rPr>
-              <a:t>University Toulouse III Paul Sabatier</a:t>
-            </a:r>
-          </a:p>
         </p:txBody>
       </p:sp>
       <p:sp>
         <p:nvSpPr>
-          <p:cNvPr id="75" name="Rectangle 74">
+          <p:cNvPr id="79" name="Rectangle 78">
             <a:extLst>
               <a:ext uri="{FF2B5EF4-FFF2-40B4-BE49-F238E27FC236}">
-                <a16:creationId xmlns:a16="http://schemas.microsoft.com/office/drawing/2014/main" id="{C24D4BC5-5256-4C2E-B3FB-87EA69B63AF3}"/>
+                <a16:creationId xmlns:a16="http://schemas.microsoft.com/office/drawing/2014/main" id="{0F831EE1-8866-4A3E-8CAB-8624A11FF145}"/>
               </a:ext>
             </a:extLst>
           </p:cNvPr>
@@ -4326,8 +4294,8 @@
         </p:nvSpPr>
         <p:spPr>
           <a:xfrm>
-            <a:off x="1143000" y="5198647"/>
-            <a:ext cx="14477998" cy="3550681"/>
+            <a:off x="16141521" y="2671820"/>
+            <a:ext cx="17547580" cy="13082798"/>
           </a:xfrm>
           <a:prstGeom prst="rect">
             <a:avLst/>
@@ -4364,7 +4332,7 @@
           </a:lstStyle>
           <a:p>
             <a:pPr algn="ctr"/>
-            <a:endParaRPr lang="en-US" sz="8400">
+            <a:endParaRPr lang="en-US" sz="8400" dirty="0">
               <a:latin typeface="+mj-lt"/>
             </a:endParaRPr>
           </a:p>
@@ -4372,10 +4340,10 @@
       </p:sp>
       <p:sp>
         <p:nvSpPr>
-          <p:cNvPr id="73" name="TextBox 19">
+          <p:cNvPr id="80" name="TextBox 19">
             <a:extLst>
               <a:ext uri="{FF2B5EF4-FFF2-40B4-BE49-F238E27FC236}">
-                <a16:creationId xmlns:a16="http://schemas.microsoft.com/office/drawing/2014/main" id="{D5A32123-7974-4A0F-B8DF-6C82FB22F596}"/>
+                <a16:creationId xmlns:a16="http://schemas.microsoft.com/office/drawing/2014/main" id="{45A199C6-0BDE-461E-8044-A335463A4944}"/>
               </a:ext>
             </a:extLst>
           </p:cNvPr>
@@ -4386,8 +4354,8 @@
         </p:nvSpPr>
         <p:spPr bwMode="auto">
           <a:xfrm>
-            <a:off x="1309720" y="5318480"/>
-            <a:ext cx="14048052" cy="3311014"/>
+            <a:off x="16576838" y="4625542"/>
+            <a:ext cx="8667256" cy="423237"/>
           </a:xfrm>
           <a:prstGeom prst="rect">
             <a:avLst/>
@@ -4536,15 +4504,7 @@
                 <a:spcPct val="110000"/>
               </a:lnSpc>
             </a:pPr>
-            <a:r>
-              <a:rPr lang="en-US" sz="3200">
-                <a:effectLst/>
-                <a:latin typeface="Quattrocento Sans" panose="020B0502050000020003" pitchFamily="34" charset="0"/>
-                <a:cs typeface="Arial" pitchFamily="34" charset="0"/>
-              </a:rPr>
-              <a:t>This research reviews recent literature on leveraging machine learning to solve combinatorial optimization problems. We examine three main domains: general combinatorial optimization, Branch-and-Bound methods for Mixed Integer Linear Programming, and Boolean Satisfiability solvers. Our comparative analysis highlights the strengths and limitations of different architectural paradigms and learning strategies.</a:t>
-            </a:r>
-            <a:endParaRPr lang="en-US" sz="3200" dirty="0">
+            <a:endParaRPr lang="en-US" sz="2100" dirty="0">
               <a:effectLst/>
               <a:latin typeface="Quattrocento Sans" panose="020B0502050000020003" pitchFamily="34" charset="0"/>
               <a:cs typeface="Arial" pitchFamily="34" charset="0"/>
@@ -4554,10 +4514,10 @@
       </p:sp>
       <p:sp>
         <p:nvSpPr>
-          <p:cNvPr id="74" name="Rectangle 10">
+          <p:cNvPr id="81" name="Rectangle 10">
             <a:extLst>
               <a:ext uri="{FF2B5EF4-FFF2-40B4-BE49-F238E27FC236}">
-                <a16:creationId xmlns:a16="http://schemas.microsoft.com/office/drawing/2014/main" id="{4EDA12B6-07B5-44F9-8F8B-E1BE66469DB6}"/>
+                <a16:creationId xmlns:a16="http://schemas.microsoft.com/office/drawing/2014/main" id="{868B6862-5CC5-4906-AC03-EA9661AD1346}"/>
               </a:ext>
             </a:extLst>
           </p:cNvPr>
@@ -4568,8 +4528,8 @@
         </p:nvSpPr>
         <p:spPr bwMode="auto">
           <a:xfrm>
-            <a:off x="1143000" y="4434346"/>
-            <a:ext cx="14477998" cy="764138"/>
+            <a:off x="16141521" y="1703234"/>
+            <a:ext cx="17547579" cy="968586"/>
           </a:xfrm>
           <a:prstGeom prst="snipRoundRect">
             <a:avLst>
@@ -4578,7 +4538,7 @@
             </a:avLst>
           </a:prstGeom>
           <a:solidFill>
-            <a:srgbClr val="3684A0"/>
+            <a:srgbClr val="664F93"/>
           </a:solidFill>
           <a:ln w="12700">
             <a:noFill/>
@@ -4604,17 +4564,17 @@
                 <a:effectLst/>
                 <a:latin typeface="Quattrocento" panose="02020802030000000404" pitchFamily="18" charset="0"/>
               </a:rPr>
-              <a:t>Abstract</a:t>
+              <a:t>Domain-Specific Findings: ML for Combinatorial Optimization</a:t>
             </a:r>
           </a:p>
         </p:txBody>
       </p:sp>
       <p:sp>
         <p:nvSpPr>
-          <p:cNvPr id="79" name="Rectangle 78">
+          <p:cNvPr id="85" name="Rectangle 84">
             <a:extLst>
               <a:ext uri="{FF2B5EF4-FFF2-40B4-BE49-F238E27FC236}">
-                <a16:creationId xmlns:a16="http://schemas.microsoft.com/office/drawing/2014/main" id="{0F831EE1-8866-4A3E-8CAB-8624A11FF145}"/>
+                <a16:creationId xmlns:a16="http://schemas.microsoft.com/office/drawing/2014/main" id="{19BFD724-D51D-4DD6-A93A-40ABEA405C90}"/>
               </a:ext>
             </a:extLst>
           </p:cNvPr>
@@ -4623,8 +4583,8 @@
         </p:nvSpPr>
         <p:spPr>
           <a:xfrm>
-            <a:off x="16370442" y="5203297"/>
-            <a:ext cx="16776557" cy="9463667"/>
+            <a:off x="39885981" y="17018791"/>
+            <a:ext cx="11091819" cy="11569355"/>
           </a:xfrm>
           <a:prstGeom prst="rect">
             <a:avLst/>
@@ -4662,6 +4622,7 @@
           <a:p>
             <a:pPr algn="ctr"/>
             <a:endParaRPr lang="en-US" sz="8400" dirty="0">
+              <a:effectLst/>
               <a:latin typeface="+mj-lt"/>
             </a:endParaRPr>
           </a:p>
@@ -4669,184 +4630,10 @@
       </p:sp>
       <p:sp>
         <p:nvSpPr>
-          <p:cNvPr id="80" name="TextBox 19">
+          <p:cNvPr id="87" name="Rectangle 10">
             <a:extLst>
               <a:ext uri="{FF2B5EF4-FFF2-40B4-BE49-F238E27FC236}">
-                <a16:creationId xmlns:a16="http://schemas.microsoft.com/office/drawing/2014/main" id="{45A199C6-0BDE-461E-8044-A335463A4944}"/>
-              </a:ext>
-            </a:extLst>
-          </p:cNvPr>
-          <p:cNvSpPr txBox="1">
-            <a:spLocks noChangeArrowheads="1"/>
-          </p:cNvSpPr>
-          <p:nvPr/>
-        </p:nvSpPr>
-        <p:spPr bwMode="auto">
-          <a:xfrm>
-            <a:off x="16571791" y="7157019"/>
-            <a:ext cx="8398404" cy="423237"/>
-          </a:xfrm>
-          <a:prstGeom prst="rect">
-            <a:avLst/>
-          </a:prstGeom>
-          <a:noFill/>
-          <a:ln>
-            <a:noFill/>
-          </a:ln>
-          <a:extLst>
-            <a:ext uri="{909E8E84-426E-40DD-AFC4-6F175D3DCCD1}">
-              <a14:hiddenFill xmlns:a14="http://schemas.microsoft.com/office/drawing/2010/main">
-                <a:solidFill>
-                  <a:srgbClr val="FFFFFF"/>
-                </a:solidFill>
-              </a14:hiddenFill>
-            </a:ext>
-            <a:ext uri="{91240B29-F687-4F45-9708-019B960494DF}">
-              <a14:hiddenLine xmlns:a14="http://schemas.microsoft.com/office/drawing/2010/main" w="9525">
-                <a:solidFill>
-                  <a:srgbClr val="000000"/>
-                </a:solidFill>
-                <a:miter lim="800000"/>
-                <a:headEnd/>
-                <a:tailEnd/>
-              </a14:hiddenLine>
-            </a:ext>
-          </a:extLst>
-        </p:spPr>
-        <p:txBody>
-          <a:bodyPr wrap="square" lIns="79991" tIns="39995" rIns="79991" bIns="39995">
-            <a:spAutoFit/>
-          </a:bodyPr>
-          <a:lstStyle>
-            <a:defPPr>
-              <a:defRPr kern="1200"/>
-            </a:defPPr>
-            <a:lvl1pPr eaLnBrk="0" hangingPunct="0">
-              <a:defRPr sz="2000">
-                <a:solidFill>
-                  <a:schemeClr val="tx1"/>
-                </a:solidFill>
-                <a:latin typeface="Arial"/>
-                <a:ea typeface="ＭＳ Ｐゴシック" pitchFamily="-106" charset="-128"/>
-              </a:defRPr>
-            </a:lvl1pPr>
-            <a:lvl2pPr eaLnBrk="0" hangingPunct="0">
-              <a:defRPr sz="2000">
-                <a:solidFill>
-                  <a:schemeClr val="tx1"/>
-                </a:solidFill>
-                <a:latin typeface="Arial"/>
-                <a:ea typeface="ＭＳ Ｐゴシック" pitchFamily="-106" charset="-128"/>
-              </a:defRPr>
-            </a:lvl2pPr>
-            <a:lvl3pPr marL="1143000" indent="-228600" eaLnBrk="0" hangingPunct="0">
-              <a:defRPr sz="2000">
-                <a:solidFill>
-                  <a:schemeClr val="tx1"/>
-                </a:solidFill>
-                <a:latin typeface="Arial"/>
-                <a:ea typeface="ＭＳ Ｐゴシック" pitchFamily="-106" charset="-128"/>
-              </a:defRPr>
-            </a:lvl3pPr>
-            <a:lvl4pPr marL="1600200" indent="-228600" eaLnBrk="0" hangingPunct="0">
-              <a:defRPr sz="2000">
-                <a:solidFill>
-                  <a:schemeClr val="tx1"/>
-                </a:solidFill>
-                <a:latin typeface="Arial"/>
-                <a:ea typeface="ＭＳ Ｐゴシック" pitchFamily="-106" charset="-128"/>
-              </a:defRPr>
-            </a:lvl4pPr>
-            <a:lvl5pPr marL="2057400" indent="-228600" eaLnBrk="0" hangingPunct="0">
-              <a:defRPr sz="2000">
-                <a:solidFill>
-                  <a:schemeClr val="tx1"/>
-                </a:solidFill>
-                <a:latin typeface="Arial"/>
-                <a:ea typeface="ＭＳ Ｐゴシック" pitchFamily="-106" charset="-128"/>
-              </a:defRPr>
-            </a:lvl5pPr>
-            <a:lvl6pPr marL="2514600" indent="-228600" eaLnBrk="0" fontAlgn="base" hangingPunct="0">
-              <a:spcBef>
-                <a:spcPct val="0"/>
-              </a:spcBef>
-              <a:spcAft>
-                <a:spcPct val="0"/>
-              </a:spcAft>
-              <a:defRPr sz="2000">
-                <a:solidFill>
-                  <a:schemeClr val="tx1"/>
-                </a:solidFill>
-                <a:latin typeface="Arial"/>
-                <a:ea typeface="ＭＳ Ｐゴシック" pitchFamily="-106" charset="-128"/>
-              </a:defRPr>
-            </a:lvl6pPr>
-            <a:lvl7pPr marL="2971800" indent="-228600" eaLnBrk="0" fontAlgn="base" hangingPunct="0">
-              <a:spcBef>
-                <a:spcPct val="0"/>
-              </a:spcBef>
-              <a:spcAft>
-                <a:spcPct val="0"/>
-              </a:spcAft>
-              <a:defRPr sz="2000">
-                <a:solidFill>
-                  <a:schemeClr val="tx1"/>
-                </a:solidFill>
-                <a:latin typeface="Arial"/>
-                <a:ea typeface="ＭＳ Ｐゴシック" pitchFamily="-106" charset="-128"/>
-              </a:defRPr>
-            </a:lvl7pPr>
-            <a:lvl8pPr marL="3429000" indent="-228600" eaLnBrk="0" fontAlgn="base" hangingPunct="0">
-              <a:spcBef>
-                <a:spcPct val="0"/>
-              </a:spcBef>
-              <a:spcAft>
-                <a:spcPct val="0"/>
-              </a:spcAft>
-              <a:defRPr sz="2000">
-                <a:solidFill>
-                  <a:schemeClr val="tx1"/>
-                </a:solidFill>
-                <a:latin typeface="Arial"/>
-                <a:ea typeface="ＭＳ Ｐゴシック" pitchFamily="-106" charset="-128"/>
-              </a:defRPr>
-            </a:lvl8pPr>
-            <a:lvl9pPr marL="3886200" indent="-228600" eaLnBrk="0" fontAlgn="base" hangingPunct="0">
-              <a:spcBef>
-                <a:spcPct val="0"/>
-              </a:spcBef>
-              <a:spcAft>
-                <a:spcPct val="0"/>
-              </a:spcAft>
-              <a:defRPr sz="2000">
-                <a:solidFill>
-                  <a:schemeClr val="tx1"/>
-                </a:solidFill>
-                <a:latin typeface="Arial"/>
-                <a:ea typeface="ＭＳ Ｐゴシック" pitchFamily="-106" charset="-128"/>
-              </a:defRPr>
-            </a:lvl9pPr>
-          </a:lstStyle>
-          <a:p>
-            <a:pPr algn="just">
-              <a:lnSpc>
-                <a:spcPct val="110000"/>
-              </a:lnSpc>
-            </a:pPr>
-            <a:endParaRPr lang="en-US" sz="2100" dirty="0">
-              <a:effectLst/>
-              <a:latin typeface="Quattrocento Sans" panose="020B0502050000020003" pitchFamily="34" charset="0"/>
-              <a:cs typeface="Arial" pitchFamily="34" charset="0"/>
-            </a:endParaRPr>
-          </a:p>
-        </p:txBody>
-      </p:sp>
-      <p:sp>
-        <p:nvSpPr>
-          <p:cNvPr id="81" name="Rectangle 10">
-            <a:extLst>
-              <a:ext uri="{FF2B5EF4-FFF2-40B4-BE49-F238E27FC236}">
-                <a16:creationId xmlns:a16="http://schemas.microsoft.com/office/drawing/2014/main" id="{868B6862-5CC5-4906-AC03-EA9661AD1346}"/>
+                <a16:creationId xmlns:a16="http://schemas.microsoft.com/office/drawing/2014/main" id="{0BE282AE-183A-4D49-B152-23A5A101BEA6}"/>
               </a:ext>
             </a:extLst>
           </p:cNvPr>
@@ -4857,8 +4644,8 @@
         </p:nvSpPr>
         <p:spPr bwMode="auto">
           <a:xfrm>
-            <a:off x="16370443" y="4234711"/>
-            <a:ext cx="16776556" cy="968586"/>
+            <a:off x="39887697" y="16137763"/>
+            <a:ext cx="11090102" cy="881028"/>
           </a:xfrm>
           <a:prstGeom prst="snipRoundRect">
             <a:avLst>
@@ -4867,7 +4654,7 @@
             </a:avLst>
           </a:prstGeom>
           <a:solidFill>
-            <a:srgbClr val="664F93"/>
+            <a:srgbClr val="3684A0"/>
           </a:solidFill>
           <a:ln w="12700">
             <a:noFill/>
@@ -4893,17 +4680,17 @@
                 <a:effectLst/>
                 <a:latin typeface="Quattrocento" panose="02020802030000000404" pitchFamily="18" charset="0"/>
               </a:rPr>
-              <a:t>Background &amp; Methods </a:t>
+              <a:t>Future Research Directions</a:t>
             </a:r>
           </a:p>
         </p:txBody>
       </p:sp>
       <p:sp>
         <p:nvSpPr>
-          <p:cNvPr id="85" name="Rectangle 84">
+          <p:cNvPr id="88" name="Rectangle 87">
             <a:extLst>
               <a:ext uri="{FF2B5EF4-FFF2-40B4-BE49-F238E27FC236}">
-                <a16:creationId xmlns:a16="http://schemas.microsoft.com/office/drawing/2014/main" id="{19BFD724-D51D-4DD6-A93A-40ABEA405C90}"/>
+                <a16:creationId xmlns:a16="http://schemas.microsoft.com/office/drawing/2014/main" id="{236036AE-C83F-4AC9-800C-C6574727635F}"/>
               </a:ext>
             </a:extLst>
           </p:cNvPr>
@@ -4912,8 +4699,8 @@
         </p:nvSpPr>
         <p:spPr>
           <a:xfrm>
-            <a:off x="36118513" y="15842466"/>
-            <a:ext cx="14173201" cy="9391762"/>
+            <a:off x="253442" y="2435636"/>
+            <a:ext cx="15609902" cy="13318982"/>
           </a:xfrm>
           <a:prstGeom prst="rect">
             <a:avLst/>
@@ -4958,10 +4745,10 @@
       </p:sp>
       <p:sp>
         <p:nvSpPr>
-          <p:cNvPr id="87" name="Rectangle 10">
+          <p:cNvPr id="90" name="Rectangle 10">
             <a:extLst>
               <a:ext uri="{FF2B5EF4-FFF2-40B4-BE49-F238E27FC236}">
-                <a16:creationId xmlns:a16="http://schemas.microsoft.com/office/drawing/2014/main" id="{0BE282AE-183A-4D49-B152-23A5A101BEA6}"/>
+                <a16:creationId xmlns:a16="http://schemas.microsoft.com/office/drawing/2014/main" id="{8C463412-CC68-4A0F-AE72-68EF99EB2F46}"/>
               </a:ext>
             </a:extLst>
           </p:cNvPr>
@@ -4972,8 +4759,8 @@
         </p:nvSpPr>
         <p:spPr bwMode="auto">
           <a:xfrm>
-            <a:off x="36114420" y="15105762"/>
-            <a:ext cx="14177293" cy="736704"/>
+            <a:off x="228600" y="1671499"/>
+            <a:ext cx="15636685" cy="764138"/>
           </a:xfrm>
           <a:prstGeom prst="snipRoundRect">
             <a:avLst>
@@ -4982,7 +4769,7 @@
             </a:avLst>
           </a:prstGeom>
           <a:solidFill>
-            <a:srgbClr val="3684A0"/>
+            <a:srgbClr val="664F93"/>
           </a:solidFill>
           <a:ln w="12700">
             <a:noFill/>
@@ -5001,24 +4788,130 @@
               <a:defRPr/>
             </a:pPr>
             <a:r>
-              <a:rPr lang="en-US" sz="3150" b="1" dirty="0">
+              <a:rPr lang="en-US" sz="3150" b="1">
                 <a:solidFill>
                   <a:schemeClr val="bg1"/>
                 </a:solidFill>
                 <a:effectLst/>
                 <a:latin typeface="Quattrocento" panose="02020802030000000404" pitchFamily="18" charset="0"/>
               </a:rPr>
-              <a:t>Future Research Directions</a:t>
+              <a:t>Introduction</a:t>
             </a:r>
           </a:p>
         </p:txBody>
       </p:sp>
+      <p:pic>
+        <p:nvPicPr>
+          <p:cNvPr id="4" name="Picture 3" descr="A close-up of a logo&#10;&#10;AI-generated content may be incorrect.">
+            <a:extLst>
+              <a:ext uri="{FF2B5EF4-FFF2-40B4-BE49-F238E27FC236}">
+                <a16:creationId xmlns:a16="http://schemas.microsoft.com/office/drawing/2014/main" id="{0046E733-1126-9424-312E-FEACB73BE96E}"/>
+              </a:ext>
+            </a:extLst>
+          </p:cNvPr>
+          <p:cNvPicPr>
+            <a:picLocks noChangeAspect="1"/>
+          </p:cNvPicPr>
+          <p:nvPr/>
+        </p:nvPicPr>
+        <p:blipFill>
+          <a:blip r:embed="rId3" cstate="print">
+            <a:extLst>
+              <a:ext uri="{28A0092B-C50C-407E-A947-70E740481C1C}">
+                <a14:useLocalDpi xmlns:a14="http://schemas.microsoft.com/office/drawing/2010/main" val="0"/>
+              </a:ext>
+            </a:extLst>
+          </a:blip>
+          <a:stretch>
+            <a:fillRect/>
+          </a:stretch>
+        </p:blipFill>
+        <p:spPr>
+          <a:xfrm>
+            <a:off x="1765792" y="-1007"/>
+            <a:ext cx="3339608" cy="1124335"/>
+          </a:xfrm>
+          <a:prstGeom prst="rect">
+            <a:avLst/>
+          </a:prstGeom>
+        </p:spPr>
+      </p:pic>
+      <p:pic>
+        <p:nvPicPr>
+          <p:cNvPr id="6" name="Graphic 5">
+            <a:extLst>
+              <a:ext uri="{FF2B5EF4-FFF2-40B4-BE49-F238E27FC236}">
+                <a16:creationId xmlns:a16="http://schemas.microsoft.com/office/drawing/2014/main" id="{99815C29-09BC-827A-5AE0-F2CCB684008D}"/>
+              </a:ext>
+            </a:extLst>
+          </p:cNvPr>
+          <p:cNvPicPr>
+            <a:picLocks noChangeAspect="1"/>
+          </p:cNvPicPr>
+          <p:nvPr/>
+        </p:nvPicPr>
+        <p:blipFill>
+          <a:blip r:embed="rId4">
+            <a:extLst>
+              <a:ext uri="{96DAC541-7B7A-43D3-8B79-37D633B846F1}">
+                <asvg:svgBlip xmlns:asvg="http://schemas.microsoft.com/office/drawing/2016/SVG/main" r:embed="rId5"/>
+              </a:ext>
+            </a:extLst>
+          </a:blip>
+          <a:srcRect/>
+          <a:stretch/>
+        </p:blipFill>
+        <p:spPr>
+          <a:xfrm>
+            <a:off x="625125" y="2725438"/>
+            <a:ext cx="15327416" cy="12715716"/>
+          </a:xfrm>
+          <a:prstGeom prst="rect">
+            <a:avLst/>
+          </a:prstGeom>
+        </p:spPr>
+      </p:pic>
+      <p:pic>
+        <p:nvPicPr>
+          <p:cNvPr id="12" name="Graphic 11">
+            <a:extLst>
+              <a:ext uri="{FF2B5EF4-FFF2-40B4-BE49-F238E27FC236}">
+                <a16:creationId xmlns:a16="http://schemas.microsoft.com/office/drawing/2014/main" id="{4E163034-CFF9-91EA-F5E6-8B724DB6BB14}"/>
+              </a:ext>
+            </a:extLst>
+          </p:cNvPr>
+          <p:cNvPicPr>
+            <a:picLocks noChangeAspect="1"/>
+          </p:cNvPicPr>
+          <p:nvPr/>
+        </p:nvPicPr>
+        <p:blipFill>
+          <a:blip r:embed="rId6">
+            <a:extLst>
+              <a:ext uri="{96DAC541-7B7A-43D3-8B79-37D633B846F1}">
+                <asvg:svgBlip xmlns:asvg="http://schemas.microsoft.com/office/drawing/2016/SVG/main" r:embed="rId7"/>
+              </a:ext>
+            </a:extLst>
+          </a:blip>
+          <a:srcRect/>
+          <a:stretch/>
+        </p:blipFill>
+        <p:spPr>
+          <a:xfrm>
+            <a:off x="16391122" y="3203455"/>
+            <a:ext cx="17128755" cy="11690728"/>
+          </a:xfrm>
+          <a:prstGeom prst="rect">
+            <a:avLst/>
+          </a:prstGeom>
+        </p:spPr>
+      </p:pic>
       <p:sp>
         <p:nvSpPr>
-          <p:cNvPr id="88" name="Rectangle 87">
+          <p:cNvPr id="18" name="Rectangle 17">
             <a:extLst>
               <a:ext uri="{FF2B5EF4-FFF2-40B4-BE49-F238E27FC236}">
-                <a16:creationId xmlns:a16="http://schemas.microsoft.com/office/drawing/2014/main" id="{236036AE-C83F-4AC9-800C-C6574727635F}"/>
+                <a16:creationId xmlns:a16="http://schemas.microsoft.com/office/drawing/2014/main" id="{359AAA8B-0D4C-85A4-6594-09951A324557}"/>
               </a:ext>
             </a:extLst>
           </p:cNvPr>
@@ -5027,8 +4920,8 @@
         </p:nvSpPr>
         <p:spPr>
           <a:xfrm>
-            <a:off x="1143000" y="9751636"/>
-            <a:ext cx="14478000" cy="8764963"/>
+            <a:off x="16132598" y="16855288"/>
+            <a:ext cx="23618402" cy="11711607"/>
           </a:xfrm>
           <a:prstGeom prst="rect">
             <a:avLst/>
@@ -5065,7 +4958,7 @@
           </a:lstStyle>
           <a:p>
             <a:pPr algn="ctr"/>
-            <a:endParaRPr lang="en-US" sz="8400">
+            <a:endParaRPr lang="en-US" sz="8400" dirty="0">
               <a:latin typeface="+mj-lt"/>
             </a:endParaRPr>
           </a:p>
@@ -5073,10 +4966,10 @@
       </p:sp>
       <p:sp>
         <p:nvSpPr>
-          <p:cNvPr id="90" name="Rectangle 10">
+          <p:cNvPr id="20" name="Rectangle 10">
             <a:extLst>
               <a:ext uri="{FF2B5EF4-FFF2-40B4-BE49-F238E27FC236}">
-                <a16:creationId xmlns:a16="http://schemas.microsoft.com/office/drawing/2014/main" id="{8C463412-CC68-4A0F-AE72-68EF99EB2F46}"/>
+                <a16:creationId xmlns:a16="http://schemas.microsoft.com/office/drawing/2014/main" id="{73AB969A-1D06-B68C-3AD0-4D12B66BB950}"/>
               </a:ext>
             </a:extLst>
           </p:cNvPr>
@@ -5087,8 +4980,8 @@
         </p:nvSpPr>
         <p:spPr bwMode="auto">
           <a:xfrm>
-            <a:off x="1118158" y="8987498"/>
-            <a:ext cx="14502841" cy="764138"/>
+            <a:off x="16138278" y="15859538"/>
+            <a:ext cx="23628327" cy="985145"/>
           </a:xfrm>
           <a:prstGeom prst="snipRoundRect">
             <a:avLst>
@@ -5097,7 +4990,9 @@
             </a:avLst>
           </a:prstGeom>
           <a:solidFill>
-            <a:srgbClr val="664F93"/>
+            <a:schemeClr val="accent1">
+              <a:lumMod val="50000"/>
+            </a:schemeClr>
           </a:solidFill>
           <a:ln w="12700">
             <a:noFill/>
@@ -5116,132 +5011,279 @@
               <a:defRPr/>
             </a:pPr>
             <a:r>
-              <a:rPr lang="en-US" sz="3150" b="1">
+              <a:rPr lang="en-US" sz="3150" b="1" dirty="0">
                 <a:solidFill>
                   <a:schemeClr val="bg1"/>
                 </a:solidFill>
                 <a:effectLst/>
                 <a:latin typeface="Quattrocento" panose="02020802030000000404" pitchFamily="18" charset="0"/>
               </a:rPr>
-              <a:t>Introduction</a:t>
+              <a:t>Performance Comparison</a:t>
             </a:r>
           </a:p>
         </p:txBody>
       </p:sp>
-      <p:pic>
-        <p:nvPicPr>
-          <p:cNvPr id="4" name="Picture 3" descr="A close-up of a logo&#10;&#10;AI-generated content may be incorrect.">
+      <p:sp>
+        <p:nvSpPr>
+          <p:cNvPr id="25" name="TextBox 19">
             <a:extLst>
               <a:ext uri="{FF2B5EF4-FFF2-40B4-BE49-F238E27FC236}">
-                <a16:creationId xmlns:a16="http://schemas.microsoft.com/office/drawing/2014/main" id="{0046E733-1126-9424-312E-FEACB73BE96E}"/>
+                <a16:creationId xmlns:a16="http://schemas.microsoft.com/office/drawing/2014/main" id="{7CA67B37-A770-80FE-35C3-9037DDA3691D}"/>
               </a:ext>
             </a:extLst>
           </p:cNvPr>
-          <p:cNvPicPr>
-            <a:picLocks noChangeAspect="1"/>
-          </p:cNvPicPr>
+          <p:cNvSpPr txBox="1">
+            <a:spLocks noChangeArrowheads="1"/>
+          </p:cNvSpPr>
           <p:nvPr/>
-        </p:nvPicPr>
-        <p:blipFill>
-          <a:blip r:embed="rId3">
-            <a:extLst>
-              <a:ext uri="{28A0092B-C50C-407E-A947-70E740481C1C}">
-                <a14:useLocalDpi xmlns:a14="http://schemas.microsoft.com/office/drawing/2010/main" val="0"/>
-              </a:ext>
-            </a:extLst>
-          </a:blip>
-          <a:stretch>
-            <a:fillRect/>
-          </a:stretch>
-        </p:blipFill>
-        <p:spPr>
+        </p:nvSpPr>
+        <p:spPr bwMode="auto">
           <a:xfrm>
-            <a:off x="1794624" y="592133"/>
-            <a:ext cx="7501776" cy="2525598"/>
+            <a:off x="34394298" y="16943938"/>
+            <a:ext cx="5461688" cy="11566801"/>
           </a:xfrm>
           <a:prstGeom prst="rect">
             <a:avLst/>
           </a:prstGeom>
+          <a:noFill/>
+          <a:ln>
+            <a:noFill/>
+          </a:ln>
+          <a:extLst>
+            <a:ext uri="{909E8E84-426E-40DD-AFC4-6F175D3DCCD1}">
+              <a14:hiddenFill xmlns:a14="http://schemas.microsoft.com/office/drawing/2010/main">
+                <a:solidFill>
+                  <a:srgbClr val="FFFFFF"/>
+                </a:solidFill>
+              </a14:hiddenFill>
+            </a:ext>
+            <a:ext uri="{91240B29-F687-4F45-9708-019B960494DF}">
+              <a14:hiddenLine xmlns:a14="http://schemas.microsoft.com/office/drawing/2010/main" w="9525">
+                <a:solidFill>
+                  <a:srgbClr val="000000"/>
+                </a:solidFill>
+                <a:miter lim="800000"/>
+                <a:headEnd/>
+                <a:tailEnd/>
+              </a14:hiddenLine>
+            </a:ext>
+          </a:extLst>
         </p:spPr>
-      </p:pic>
-      <p:pic>
-        <p:nvPicPr>
-          <p:cNvPr id="6" name="Graphic 5">
+        <p:txBody>
+          <a:bodyPr wrap="square" lIns="79991" tIns="39995" rIns="79991" bIns="39995">
+            <a:spAutoFit/>
+          </a:bodyPr>
+          <a:lstStyle>
+            <a:defPPr>
+              <a:defRPr kern="1200"/>
+            </a:defPPr>
+            <a:lvl1pPr eaLnBrk="0" hangingPunct="0">
+              <a:defRPr sz="2000">
+                <a:solidFill>
+                  <a:schemeClr val="tx1"/>
+                </a:solidFill>
+                <a:latin typeface="Arial"/>
+                <a:ea typeface="ＭＳ Ｐゴシック" pitchFamily="-106" charset="-128"/>
+              </a:defRPr>
+            </a:lvl1pPr>
+            <a:lvl2pPr eaLnBrk="0" hangingPunct="0">
+              <a:defRPr sz="2000">
+                <a:solidFill>
+                  <a:schemeClr val="tx1"/>
+                </a:solidFill>
+                <a:latin typeface="Arial"/>
+                <a:ea typeface="ＭＳ Ｐゴシック" pitchFamily="-106" charset="-128"/>
+              </a:defRPr>
+            </a:lvl2pPr>
+            <a:lvl3pPr marL="1143000" indent="-228600" eaLnBrk="0" hangingPunct="0">
+              <a:defRPr sz="2000">
+                <a:solidFill>
+                  <a:schemeClr val="tx1"/>
+                </a:solidFill>
+                <a:latin typeface="Arial"/>
+                <a:ea typeface="ＭＳ Ｐゴシック" pitchFamily="-106" charset="-128"/>
+              </a:defRPr>
+            </a:lvl3pPr>
+            <a:lvl4pPr marL="1600200" indent="-228600" eaLnBrk="0" hangingPunct="0">
+              <a:defRPr sz="2000">
+                <a:solidFill>
+                  <a:schemeClr val="tx1"/>
+                </a:solidFill>
+                <a:latin typeface="Arial"/>
+                <a:ea typeface="ＭＳ Ｐゴシック" pitchFamily="-106" charset="-128"/>
+              </a:defRPr>
+            </a:lvl4pPr>
+            <a:lvl5pPr marL="2057400" indent="-228600" eaLnBrk="0" hangingPunct="0">
+              <a:defRPr sz="2000">
+                <a:solidFill>
+                  <a:schemeClr val="tx1"/>
+                </a:solidFill>
+                <a:latin typeface="Arial"/>
+                <a:ea typeface="ＭＳ Ｐゴシック" pitchFamily="-106" charset="-128"/>
+              </a:defRPr>
+            </a:lvl5pPr>
+            <a:lvl6pPr marL="2514600" indent="-228600" eaLnBrk="0" fontAlgn="base" hangingPunct="0">
+              <a:spcBef>
+                <a:spcPct val="0"/>
+              </a:spcBef>
+              <a:spcAft>
+                <a:spcPct val="0"/>
+              </a:spcAft>
+              <a:defRPr sz="2000">
+                <a:solidFill>
+                  <a:schemeClr val="tx1"/>
+                </a:solidFill>
+                <a:latin typeface="Arial"/>
+                <a:ea typeface="ＭＳ Ｐゴシック" pitchFamily="-106" charset="-128"/>
+              </a:defRPr>
+            </a:lvl6pPr>
+            <a:lvl7pPr marL="2971800" indent="-228600" eaLnBrk="0" fontAlgn="base" hangingPunct="0">
+              <a:spcBef>
+                <a:spcPct val="0"/>
+              </a:spcBef>
+              <a:spcAft>
+                <a:spcPct val="0"/>
+              </a:spcAft>
+              <a:defRPr sz="2000">
+                <a:solidFill>
+                  <a:schemeClr val="tx1"/>
+                </a:solidFill>
+                <a:latin typeface="Arial"/>
+                <a:ea typeface="ＭＳ Ｐゴシック" pitchFamily="-106" charset="-128"/>
+              </a:defRPr>
+            </a:lvl7pPr>
+            <a:lvl8pPr marL="3429000" indent="-228600" eaLnBrk="0" fontAlgn="base" hangingPunct="0">
+              <a:spcBef>
+                <a:spcPct val="0"/>
+              </a:spcBef>
+              <a:spcAft>
+                <a:spcPct val="0"/>
+              </a:spcAft>
+              <a:defRPr sz="2000">
+                <a:solidFill>
+                  <a:schemeClr val="tx1"/>
+                </a:solidFill>
+                <a:latin typeface="Arial"/>
+                <a:ea typeface="ＭＳ Ｐゴシック" pitchFamily="-106" charset="-128"/>
+              </a:defRPr>
+            </a:lvl8pPr>
+            <a:lvl9pPr marL="3886200" indent="-228600" eaLnBrk="0" fontAlgn="base" hangingPunct="0">
+              <a:spcBef>
+                <a:spcPct val="0"/>
+              </a:spcBef>
+              <a:spcAft>
+                <a:spcPct val="0"/>
+              </a:spcAft>
+              <a:defRPr sz="2000">
+                <a:solidFill>
+                  <a:schemeClr val="tx1"/>
+                </a:solidFill>
+                <a:latin typeface="Arial"/>
+                <a:ea typeface="ＭＳ Ｐゴシック" pitchFamily="-106" charset="-128"/>
+              </a:defRPr>
+            </a:lvl9pPr>
+          </a:lstStyle>
+          <a:p>
+            <a:pPr>
+              <a:lnSpc>
+                <a:spcPct val="110000"/>
+              </a:lnSpc>
+            </a:pPr>
+            <a:r>
+              <a:rPr lang="en-US" sz="4000" b="1" dirty="0">
+                <a:effectLst/>
+                <a:latin typeface="Quattrocento Sans" panose="020B0502050000020003" pitchFamily="34" charset="0"/>
+                <a:cs typeface="Arial" pitchFamily="34" charset="0"/>
+              </a:rPr>
+              <a:t>TSP: </a:t>
+            </a:r>
+            <a:r>
+              <a:rPr lang="en-US" sz="4000" dirty="0">
+                <a:effectLst/>
+                <a:latin typeface="Quattrocento Sans" panose="020B0502050000020003" pitchFamily="34" charset="0"/>
+                <a:cs typeface="Arial" pitchFamily="34" charset="0"/>
+              </a:rPr>
+              <a:t>Pointer Networks show moderate speedup with RL training; GNNs achieve near-optimal solutions</a:t>
+            </a:r>
+          </a:p>
+          <a:p>
+            <a:pPr>
+              <a:lnSpc>
+                <a:spcPct val="110000"/>
+              </a:lnSpc>
+            </a:pPr>
+            <a:r>
+              <a:rPr lang="en-US" sz="4000" b="1" dirty="0">
+                <a:effectLst/>
+                <a:latin typeface="Quattrocento Sans" panose="020B0502050000020003" pitchFamily="34" charset="0"/>
+                <a:cs typeface="Arial" pitchFamily="34" charset="0"/>
+              </a:rPr>
+              <a:t>MILP: </a:t>
+            </a:r>
+            <a:r>
+              <a:rPr lang="en-US" sz="4000" dirty="0" err="1">
+                <a:effectLst/>
+                <a:latin typeface="Quattrocento Sans" panose="020B0502050000020003" pitchFamily="34" charset="0"/>
+                <a:cs typeface="Arial" pitchFamily="34" charset="0"/>
+              </a:rPr>
+              <a:t>ExtraTrees</a:t>
+            </a:r>
+            <a:r>
+              <a:rPr lang="en-US" sz="4000" dirty="0">
+                <a:effectLst/>
+                <a:latin typeface="Quattrocento Sans" panose="020B0502050000020003" pitchFamily="34" charset="0"/>
+                <a:cs typeface="Arial" pitchFamily="34" charset="0"/>
+              </a:rPr>
+              <a:t> offers best speedup; </a:t>
+            </a:r>
+            <a:r>
+              <a:rPr lang="en-US" sz="4000" dirty="0" err="1">
+                <a:effectLst/>
+                <a:latin typeface="Quattrocento Sans" panose="020B0502050000020003" pitchFamily="34" charset="0"/>
+                <a:cs typeface="Arial" pitchFamily="34" charset="0"/>
+              </a:rPr>
+              <a:t>TreeGate</a:t>
+            </a:r>
+            <a:r>
+              <a:rPr lang="en-US" sz="4000" dirty="0">
+                <a:effectLst/>
+                <a:latin typeface="Quattrocento Sans" panose="020B0502050000020003" pitchFamily="34" charset="0"/>
+                <a:cs typeface="Arial" pitchFamily="34" charset="0"/>
+              </a:rPr>
+              <a:t> reduces B&amp;B nodes explored; Hybrid methods balance quality and speed</a:t>
+            </a:r>
+          </a:p>
+          <a:p>
+            <a:pPr>
+              <a:lnSpc>
+                <a:spcPct val="110000"/>
+              </a:lnSpc>
+            </a:pPr>
+            <a:r>
+              <a:rPr lang="en-US" sz="4000" b="1" dirty="0">
+                <a:effectLst/>
+                <a:latin typeface="Quattrocento Sans" panose="020B0502050000020003" pitchFamily="34" charset="0"/>
+                <a:cs typeface="Arial" pitchFamily="34" charset="0"/>
+              </a:rPr>
+              <a:t>SAT: </a:t>
+            </a:r>
+            <a:r>
+              <a:rPr lang="en-US" sz="4000" dirty="0">
+                <a:effectLst/>
+                <a:latin typeface="Quattrocento Sans" panose="020B0502050000020003" pitchFamily="34" charset="0"/>
+                <a:cs typeface="Arial" pitchFamily="34" charset="0"/>
+              </a:rPr>
+              <a:t>Graph-Q-SAT significantly reduces solving time; End-to-end approaches show feasibility but less performance</a:t>
+            </a:r>
+          </a:p>
+        </p:txBody>
+      </p:sp>
+      <p:sp>
+        <p:nvSpPr>
+          <p:cNvPr id="27" name="Rectangle 26">
             <a:extLst>
               <a:ext uri="{FF2B5EF4-FFF2-40B4-BE49-F238E27FC236}">
-                <a16:creationId xmlns:a16="http://schemas.microsoft.com/office/drawing/2014/main" id="{99815C29-09BC-827A-5AE0-F2CCB684008D}"/>
-              </a:ext>
-            </a:extLst>
-          </p:cNvPr>
-          <p:cNvPicPr>
-            <a:picLocks noChangeAspect="1"/>
-          </p:cNvPicPr>
-          <p:nvPr/>
-        </p:nvPicPr>
-        <p:blipFill>
-          <a:blip r:embed="rId4">
-            <a:extLst>
-              <a:ext uri="{96DAC541-7B7A-43D3-8B79-37D633B846F1}">
-                <asvg:svgBlip xmlns:asvg="http://schemas.microsoft.com/office/drawing/2016/SVG/main" r:embed="rId5"/>
-              </a:ext>
-            </a:extLst>
-          </a:blip>
-          <a:stretch>
-            <a:fillRect/>
-          </a:stretch>
-        </p:blipFill>
-        <p:spPr>
-          <a:xfrm>
-            <a:off x="1165154" y="9823984"/>
-            <a:ext cx="14455844" cy="8764963"/>
-          </a:xfrm>
-          <a:prstGeom prst="rect">
-            <a:avLst/>
-          </a:prstGeom>
-        </p:spPr>
-      </p:pic>
-      <p:pic>
-        <p:nvPicPr>
-          <p:cNvPr id="12" name="Graphic 11">
-            <a:extLst>
-              <a:ext uri="{FF2B5EF4-FFF2-40B4-BE49-F238E27FC236}">
-                <a16:creationId xmlns:a16="http://schemas.microsoft.com/office/drawing/2014/main" id="{4E163034-CFF9-91EA-F5E6-8B724DB6BB14}"/>
-              </a:ext>
-            </a:extLst>
-          </p:cNvPr>
-          <p:cNvPicPr>
-            <a:picLocks noChangeAspect="1"/>
-          </p:cNvPicPr>
-          <p:nvPr/>
-        </p:nvPicPr>
-        <p:blipFill>
-          <a:blip r:embed="rId6">
-            <a:extLst>
-              <a:ext uri="{96DAC541-7B7A-43D3-8B79-37D633B846F1}">
-                <asvg:svgBlip xmlns:asvg="http://schemas.microsoft.com/office/drawing/2016/SVG/main" r:embed="rId7"/>
-              </a:ext>
-            </a:extLst>
-          </a:blip>
-          <a:stretch>
-            <a:fillRect/>
-          </a:stretch>
-        </p:blipFill>
-        <p:spPr>
-          <a:xfrm>
-            <a:off x="16549566" y="5277267"/>
-            <a:ext cx="16597434" cy="9232227"/>
-          </a:xfrm>
-          <a:prstGeom prst="rect">
-            <a:avLst/>
-          </a:prstGeom>
-        </p:spPr>
-      </p:pic>
-      <p:sp>
-        <p:nvSpPr>
-          <p:cNvPr id="18" name="Rectangle 17">
-            <a:extLst>
-              <a:ext uri="{FF2B5EF4-FFF2-40B4-BE49-F238E27FC236}">
-                <a16:creationId xmlns:a16="http://schemas.microsoft.com/office/drawing/2014/main" id="{359AAA8B-0D4C-85A4-6594-09951A324557}"/>
+                <a16:creationId xmlns:a16="http://schemas.microsoft.com/office/drawing/2014/main" id="{4E7DD4CC-0D2B-5B01-00BE-505AC8E6562E}"/>
               </a:ext>
             </a:extLst>
           </p:cNvPr>
@@ -5250,8 +5292,8 @@
         </p:nvSpPr>
         <p:spPr>
           <a:xfrm>
-            <a:off x="16408143" y="16044078"/>
-            <a:ext cx="19482058" cy="12530921"/>
+            <a:off x="33923067" y="2708079"/>
+            <a:ext cx="17054735" cy="13108146"/>
           </a:xfrm>
           <a:prstGeom prst="rect">
             <a:avLst/>
@@ -5296,10 +5338,184 @@
       </p:sp>
       <p:sp>
         <p:nvSpPr>
-          <p:cNvPr id="20" name="Rectangle 10">
+          <p:cNvPr id="29" name="TextBox 19">
             <a:extLst>
               <a:ext uri="{FF2B5EF4-FFF2-40B4-BE49-F238E27FC236}">
-                <a16:creationId xmlns:a16="http://schemas.microsoft.com/office/drawing/2014/main" id="{73AB969A-1D06-B68C-3AD0-4D12B66BB950}"/>
+                <a16:creationId xmlns:a16="http://schemas.microsoft.com/office/drawing/2014/main" id="{B3142DC7-558C-7D39-1482-2EDDCC0B1F9A}"/>
+              </a:ext>
+            </a:extLst>
+          </p:cNvPr>
+          <p:cNvSpPr txBox="1">
+            <a:spLocks noChangeArrowheads="1"/>
+          </p:cNvSpPr>
+          <p:nvPr/>
+        </p:nvSpPr>
+        <p:spPr bwMode="auto">
+          <a:xfrm>
+            <a:off x="38411974" y="4661801"/>
+            <a:ext cx="8398404" cy="423237"/>
+          </a:xfrm>
+          <a:prstGeom prst="rect">
+            <a:avLst/>
+          </a:prstGeom>
+          <a:noFill/>
+          <a:ln>
+            <a:noFill/>
+          </a:ln>
+          <a:extLst>
+            <a:ext uri="{909E8E84-426E-40DD-AFC4-6F175D3DCCD1}">
+              <a14:hiddenFill xmlns:a14="http://schemas.microsoft.com/office/drawing/2010/main">
+                <a:solidFill>
+                  <a:srgbClr val="FFFFFF"/>
+                </a:solidFill>
+              </a14:hiddenFill>
+            </a:ext>
+            <a:ext uri="{91240B29-F687-4F45-9708-019B960494DF}">
+              <a14:hiddenLine xmlns:a14="http://schemas.microsoft.com/office/drawing/2010/main" w="9525">
+                <a:solidFill>
+                  <a:srgbClr val="000000"/>
+                </a:solidFill>
+                <a:miter lim="800000"/>
+                <a:headEnd/>
+                <a:tailEnd/>
+              </a14:hiddenLine>
+            </a:ext>
+          </a:extLst>
+        </p:spPr>
+        <p:txBody>
+          <a:bodyPr wrap="square" lIns="79991" tIns="39995" rIns="79991" bIns="39995">
+            <a:spAutoFit/>
+          </a:bodyPr>
+          <a:lstStyle>
+            <a:defPPr>
+              <a:defRPr kern="1200"/>
+            </a:defPPr>
+            <a:lvl1pPr eaLnBrk="0" hangingPunct="0">
+              <a:defRPr sz="2000">
+                <a:solidFill>
+                  <a:schemeClr val="tx1"/>
+                </a:solidFill>
+                <a:latin typeface="Arial"/>
+                <a:ea typeface="ＭＳ Ｐゴシック" pitchFamily="-106" charset="-128"/>
+              </a:defRPr>
+            </a:lvl1pPr>
+            <a:lvl2pPr eaLnBrk="0" hangingPunct="0">
+              <a:defRPr sz="2000">
+                <a:solidFill>
+                  <a:schemeClr val="tx1"/>
+                </a:solidFill>
+                <a:latin typeface="Arial"/>
+                <a:ea typeface="ＭＳ Ｐゴシック" pitchFamily="-106" charset="-128"/>
+              </a:defRPr>
+            </a:lvl2pPr>
+            <a:lvl3pPr marL="1143000" indent="-228600" eaLnBrk="0" hangingPunct="0">
+              <a:defRPr sz="2000">
+                <a:solidFill>
+                  <a:schemeClr val="tx1"/>
+                </a:solidFill>
+                <a:latin typeface="Arial"/>
+                <a:ea typeface="ＭＳ Ｐゴシック" pitchFamily="-106" charset="-128"/>
+              </a:defRPr>
+            </a:lvl3pPr>
+            <a:lvl4pPr marL="1600200" indent="-228600" eaLnBrk="0" hangingPunct="0">
+              <a:defRPr sz="2000">
+                <a:solidFill>
+                  <a:schemeClr val="tx1"/>
+                </a:solidFill>
+                <a:latin typeface="Arial"/>
+                <a:ea typeface="ＭＳ Ｐゴシック" pitchFamily="-106" charset="-128"/>
+              </a:defRPr>
+            </a:lvl4pPr>
+            <a:lvl5pPr marL="2057400" indent="-228600" eaLnBrk="0" hangingPunct="0">
+              <a:defRPr sz="2000">
+                <a:solidFill>
+                  <a:schemeClr val="tx1"/>
+                </a:solidFill>
+                <a:latin typeface="Arial"/>
+                <a:ea typeface="ＭＳ Ｐゴシック" pitchFamily="-106" charset="-128"/>
+              </a:defRPr>
+            </a:lvl5pPr>
+            <a:lvl6pPr marL="2514600" indent="-228600" eaLnBrk="0" fontAlgn="base" hangingPunct="0">
+              <a:spcBef>
+                <a:spcPct val="0"/>
+              </a:spcBef>
+              <a:spcAft>
+                <a:spcPct val="0"/>
+              </a:spcAft>
+              <a:defRPr sz="2000">
+                <a:solidFill>
+                  <a:schemeClr val="tx1"/>
+                </a:solidFill>
+                <a:latin typeface="Arial"/>
+                <a:ea typeface="ＭＳ Ｐゴシック" pitchFamily="-106" charset="-128"/>
+              </a:defRPr>
+            </a:lvl6pPr>
+            <a:lvl7pPr marL="2971800" indent="-228600" eaLnBrk="0" fontAlgn="base" hangingPunct="0">
+              <a:spcBef>
+                <a:spcPct val="0"/>
+              </a:spcBef>
+              <a:spcAft>
+                <a:spcPct val="0"/>
+              </a:spcAft>
+              <a:defRPr sz="2000">
+                <a:solidFill>
+                  <a:schemeClr val="tx1"/>
+                </a:solidFill>
+                <a:latin typeface="Arial"/>
+                <a:ea typeface="ＭＳ Ｐゴシック" pitchFamily="-106" charset="-128"/>
+              </a:defRPr>
+            </a:lvl7pPr>
+            <a:lvl8pPr marL="3429000" indent="-228600" eaLnBrk="0" fontAlgn="base" hangingPunct="0">
+              <a:spcBef>
+                <a:spcPct val="0"/>
+              </a:spcBef>
+              <a:spcAft>
+                <a:spcPct val="0"/>
+              </a:spcAft>
+              <a:defRPr sz="2000">
+                <a:solidFill>
+                  <a:schemeClr val="tx1"/>
+                </a:solidFill>
+                <a:latin typeface="Arial"/>
+                <a:ea typeface="ＭＳ Ｐゴシック" pitchFamily="-106" charset="-128"/>
+              </a:defRPr>
+            </a:lvl8pPr>
+            <a:lvl9pPr marL="3886200" indent="-228600" eaLnBrk="0" fontAlgn="base" hangingPunct="0">
+              <a:spcBef>
+                <a:spcPct val="0"/>
+              </a:spcBef>
+              <a:spcAft>
+                <a:spcPct val="0"/>
+              </a:spcAft>
+              <a:defRPr sz="2000">
+                <a:solidFill>
+                  <a:schemeClr val="tx1"/>
+                </a:solidFill>
+                <a:latin typeface="Arial"/>
+                <a:ea typeface="ＭＳ Ｐゴシック" pitchFamily="-106" charset="-128"/>
+              </a:defRPr>
+            </a:lvl9pPr>
+          </a:lstStyle>
+          <a:p>
+            <a:pPr algn="just">
+              <a:lnSpc>
+                <a:spcPct val="110000"/>
+              </a:lnSpc>
+            </a:pPr>
+            <a:endParaRPr lang="en-US" sz="2100" dirty="0">
+              <a:effectLst/>
+              <a:latin typeface="Quattrocento Sans" panose="020B0502050000020003" pitchFamily="34" charset="0"/>
+              <a:cs typeface="Arial" pitchFamily="34" charset="0"/>
+            </a:endParaRPr>
+          </a:p>
+        </p:txBody>
+      </p:sp>
+      <p:sp>
+        <p:nvSpPr>
+          <p:cNvPr id="30" name="Rectangle 10">
+            <a:extLst>
+              <a:ext uri="{FF2B5EF4-FFF2-40B4-BE49-F238E27FC236}">
+                <a16:creationId xmlns:a16="http://schemas.microsoft.com/office/drawing/2014/main" id="{164D7479-FB81-AA6A-2DE6-72938267689D}"/>
               </a:ext>
             </a:extLst>
           </p:cNvPr>
@@ -5310,8 +5526,8 @@
         </p:nvSpPr>
         <p:spPr bwMode="auto">
           <a:xfrm>
-            <a:off x="16408142" y="15101070"/>
-            <a:ext cx="19490245" cy="985145"/>
+            <a:off x="33923065" y="1689522"/>
+            <a:ext cx="17054735" cy="1016499"/>
           </a:xfrm>
           <a:prstGeom prst="snipRoundRect">
             <a:avLst>
@@ -5320,9 +5536,7 @@
             </a:avLst>
           </a:prstGeom>
           <a:solidFill>
-            <a:schemeClr val="accent1">
-              <a:lumMod val="50000"/>
-            </a:schemeClr>
+            <a:srgbClr val="664F93"/>
           </a:solidFill>
           <a:ln w="12700">
             <a:noFill/>
@@ -5348,17 +5562,17 @@
                 <a:effectLst/>
                 <a:latin typeface="Quattrocento" panose="02020802030000000404" pitchFamily="18" charset="0"/>
               </a:rPr>
-              <a:t>Performance Comparison</a:t>
+              <a:t>Neural Network Architectures for Combinatorial Optimization</a:t>
             </a:r>
           </a:p>
         </p:txBody>
       </p:sp>
       <p:pic>
         <p:nvPicPr>
-          <p:cNvPr id="23" name="Graphic 22">
+          <p:cNvPr id="31" name="Graphic 30">
             <a:extLst>
               <a:ext uri="{FF2B5EF4-FFF2-40B4-BE49-F238E27FC236}">
-                <a16:creationId xmlns:a16="http://schemas.microsoft.com/office/drawing/2014/main" id="{93485AB1-A85A-E581-043E-B4032021852F}"/>
+                <a16:creationId xmlns:a16="http://schemas.microsoft.com/office/drawing/2014/main" id="{5571DA1E-7FDC-30E8-7F5E-70146AD8BB04}"/>
               </a:ext>
             </a:extLst>
           </p:cNvPr>
@@ -5375,14 +5589,13 @@
               </a:ext>
             </a:extLst>
           </a:blip>
-          <a:stretch>
-            <a:fillRect/>
-          </a:stretch>
+          <a:srcRect/>
+          <a:stretch/>
         </p:blipFill>
         <p:spPr>
           <a:xfrm>
-            <a:off x="16632362" y="16570107"/>
-            <a:ext cx="14394658" cy="10879921"/>
+            <a:off x="34012264" y="4259364"/>
+            <a:ext cx="16863950" cy="10447236"/>
           </a:xfrm>
           <a:prstGeom prst="rect">
             <a:avLst/>
@@ -5391,10 +5604,10 @@
       </p:pic>
       <p:sp>
         <p:nvSpPr>
-          <p:cNvPr id="25" name="TextBox 19">
+          <p:cNvPr id="34" name="TextBox 19">
             <a:extLst>
               <a:ext uri="{FF2B5EF4-FFF2-40B4-BE49-F238E27FC236}">
-                <a16:creationId xmlns:a16="http://schemas.microsoft.com/office/drawing/2014/main" id="{7CA67B37-A770-80FE-35C3-9037DDA3691D}"/>
+                <a16:creationId xmlns:a16="http://schemas.microsoft.com/office/drawing/2014/main" id="{6E0DD737-4B46-8BC1-29C8-CC5D2545E9F4}"/>
               </a:ext>
             </a:extLst>
           </p:cNvPr>
@@ -5405,8 +5618,8 @@
         </p:nvSpPr>
         <p:spPr bwMode="auto">
           <a:xfrm>
-            <a:off x="31403926" y="16915191"/>
-            <a:ext cx="4118574" cy="9068937"/>
+            <a:off x="16413005" y="27286805"/>
+            <a:ext cx="18141856" cy="1410174"/>
           </a:xfrm>
           <a:prstGeom prst="rect">
             <a:avLst/>
@@ -5556,12 +5769,12 @@
               </a:lnSpc>
             </a:pPr>
             <a:r>
-              <a:rPr lang="en-US" sz="2800" b="1" dirty="0">
+              <a:rPr lang="en-US" sz="4000" b="1" dirty="0">
                 <a:effectLst/>
                 <a:latin typeface="Quattrocento Sans" panose="020B0502050000020003" pitchFamily="34" charset="0"/>
                 <a:cs typeface="Arial" pitchFamily="34" charset="0"/>
               </a:rPr>
-              <a:t>Key Domain-Specific Insights:</a:t>
+              <a:t>Hybrid neural-algorithmic approaches show the most promise, </a:t>
             </a:r>
           </a:p>
           <a:p>
@@ -5571,293 +5784,22 @@
               </a:lnSpc>
             </a:pPr>
             <a:r>
-              <a:rPr lang="en-US" sz="2800" b="1" dirty="0">
+              <a:rPr lang="en-US" sz="4000" b="1" dirty="0">
                 <a:effectLst/>
                 <a:latin typeface="Quattrocento Sans" panose="020B0502050000020003" pitchFamily="34" charset="0"/>
                 <a:cs typeface="Arial" pitchFamily="34" charset="0"/>
               </a:rPr>
-              <a:t>TSP: </a:t>
-            </a:r>
-            <a:r>
-              <a:rPr lang="en-US" sz="2800" dirty="0">
-                <a:effectLst/>
-                <a:latin typeface="Quattrocento Sans" panose="020B0502050000020003" pitchFamily="34" charset="0"/>
-                <a:cs typeface="Arial" pitchFamily="34" charset="0"/>
-              </a:rPr>
-              <a:t>Pointer Networks show moderate speedup with RL training; GNNs achieve near-optimal solutions</a:t>
-            </a:r>
-          </a:p>
-          <a:p>
-            <a:pPr algn="just">
-              <a:lnSpc>
-                <a:spcPct val="110000"/>
-              </a:lnSpc>
-            </a:pPr>
-            <a:r>
-              <a:rPr lang="en-US" sz="2800" b="1" dirty="0">
-                <a:effectLst/>
-                <a:latin typeface="Quattrocento Sans" panose="020B0502050000020003" pitchFamily="34" charset="0"/>
-                <a:cs typeface="Arial" pitchFamily="34" charset="0"/>
-              </a:rPr>
-              <a:t>MILP: </a:t>
-            </a:r>
-            <a:r>
-              <a:rPr lang="en-US" sz="2800" dirty="0" err="1">
-                <a:effectLst/>
-                <a:latin typeface="Quattrocento Sans" panose="020B0502050000020003" pitchFamily="34" charset="0"/>
-                <a:cs typeface="Arial" pitchFamily="34" charset="0"/>
-              </a:rPr>
-              <a:t>ExtraTrees</a:t>
-            </a:r>
-            <a:r>
-              <a:rPr lang="en-US" sz="2800" dirty="0">
-                <a:effectLst/>
-                <a:latin typeface="Quattrocento Sans" panose="020B0502050000020003" pitchFamily="34" charset="0"/>
-                <a:cs typeface="Arial" pitchFamily="34" charset="0"/>
-              </a:rPr>
-              <a:t> offers best speedup; </a:t>
-            </a:r>
-            <a:r>
-              <a:rPr lang="en-US" sz="2800" dirty="0" err="1">
-                <a:effectLst/>
-                <a:latin typeface="Quattrocento Sans" panose="020B0502050000020003" pitchFamily="34" charset="0"/>
-                <a:cs typeface="Arial" pitchFamily="34" charset="0"/>
-              </a:rPr>
-              <a:t>TreeGate</a:t>
-            </a:r>
-            <a:r>
-              <a:rPr lang="en-US" sz="2800" dirty="0">
-                <a:effectLst/>
-                <a:latin typeface="Quattrocento Sans" panose="020B0502050000020003" pitchFamily="34" charset="0"/>
-                <a:cs typeface="Arial" pitchFamily="34" charset="0"/>
-              </a:rPr>
-              <a:t> reduces B&amp;B nodes explored; Hybrid methods balance quality and speed</a:t>
-            </a:r>
-          </a:p>
-          <a:p>
-            <a:pPr algn="just">
-              <a:lnSpc>
-                <a:spcPct val="110000"/>
-              </a:lnSpc>
-            </a:pPr>
-            <a:r>
-              <a:rPr lang="en-US" sz="2800" b="1" dirty="0">
-                <a:effectLst/>
-                <a:latin typeface="Quattrocento Sans" panose="020B0502050000020003" pitchFamily="34" charset="0"/>
-                <a:cs typeface="Arial" pitchFamily="34" charset="0"/>
-              </a:rPr>
-              <a:t>SAT: </a:t>
-            </a:r>
-            <a:r>
-              <a:rPr lang="en-US" sz="2800" dirty="0">
-                <a:effectLst/>
-                <a:latin typeface="Quattrocento Sans" panose="020B0502050000020003" pitchFamily="34" charset="0"/>
-                <a:cs typeface="Arial" pitchFamily="34" charset="0"/>
-              </a:rPr>
-              <a:t>Graph-Q-SAT significantly reduces solving time; End-to-end approaches show feasibility but less performance</a:t>
+              <a:t>Balancing solution quality, computational efficiency, and generalization</a:t>
             </a:r>
           </a:p>
         </p:txBody>
       </p:sp>
       <p:sp>
         <p:nvSpPr>
-          <p:cNvPr id="26" name="TextBox 19">
+          <p:cNvPr id="38" name="Rectangle 37">
             <a:extLst>
               <a:ext uri="{FF2B5EF4-FFF2-40B4-BE49-F238E27FC236}">
-                <a16:creationId xmlns:a16="http://schemas.microsoft.com/office/drawing/2014/main" id="{1B415DBC-6821-D4DE-B7C3-9BCB41671918}"/>
-              </a:ext>
-            </a:extLst>
-          </p:cNvPr>
-          <p:cNvSpPr txBox="1">
-            <a:spLocks noChangeArrowheads="1"/>
-          </p:cNvSpPr>
-          <p:nvPr/>
-        </p:nvSpPr>
-        <p:spPr bwMode="auto">
-          <a:xfrm>
-            <a:off x="16654587" y="27743828"/>
-            <a:ext cx="12668250" cy="537371"/>
-          </a:xfrm>
-          <a:prstGeom prst="rect">
-            <a:avLst/>
-          </a:prstGeom>
-          <a:noFill/>
-          <a:ln>
-            <a:noFill/>
-          </a:ln>
-          <a:extLst>
-            <a:ext uri="{909E8E84-426E-40DD-AFC4-6F175D3DCCD1}">
-              <a14:hiddenFill xmlns:a14="http://schemas.microsoft.com/office/drawing/2010/main">
-                <a:solidFill>
-                  <a:srgbClr val="FFFFFF"/>
-                </a:solidFill>
-              </a14:hiddenFill>
-            </a:ext>
-            <a:ext uri="{91240B29-F687-4F45-9708-019B960494DF}">
-              <a14:hiddenLine xmlns:a14="http://schemas.microsoft.com/office/drawing/2010/main" w="9525">
-                <a:solidFill>
-                  <a:srgbClr val="000000"/>
-                </a:solidFill>
-                <a:miter lim="800000"/>
-                <a:headEnd/>
-                <a:tailEnd/>
-              </a14:hiddenLine>
-            </a:ext>
-          </a:extLst>
-        </p:spPr>
-        <p:txBody>
-          <a:bodyPr wrap="square" lIns="79991" tIns="39995" rIns="79991" bIns="39995">
-            <a:spAutoFit/>
-          </a:bodyPr>
-          <a:lstStyle>
-            <a:defPPr>
-              <a:defRPr kern="1200"/>
-            </a:defPPr>
-            <a:lvl1pPr eaLnBrk="0" hangingPunct="0">
-              <a:defRPr sz="2000">
-                <a:solidFill>
-                  <a:schemeClr val="tx1"/>
-                </a:solidFill>
-                <a:latin typeface="Arial"/>
-                <a:ea typeface="ＭＳ Ｐゴシック" pitchFamily="-106" charset="-128"/>
-              </a:defRPr>
-            </a:lvl1pPr>
-            <a:lvl2pPr eaLnBrk="0" hangingPunct="0">
-              <a:defRPr sz="2000">
-                <a:solidFill>
-                  <a:schemeClr val="tx1"/>
-                </a:solidFill>
-                <a:latin typeface="Arial"/>
-                <a:ea typeface="ＭＳ Ｐゴシック" pitchFamily="-106" charset="-128"/>
-              </a:defRPr>
-            </a:lvl2pPr>
-            <a:lvl3pPr marL="1143000" indent="-228600" eaLnBrk="0" hangingPunct="0">
-              <a:defRPr sz="2000">
-                <a:solidFill>
-                  <a:schemeClr val="tx1"/>
-                </a:solidFill>
-                <a:latin typeface="Arial"/>
-                <a:ea typeface="ＭＳ Ｐゴシック" pitchFamily="-106" charset="-128"/>
-              </a:defRPr>
-            </a:lvl3pPr>
-            <a:lvl4pPr marL="1600200" indent="-228600" eaLnBrk="0" hangingPunct="0">
-              <a:defRPr sz="2000">
-                <a:solidFill>
-                  <a:schemeClr val="tx1"/>
-                </a:solidFill>
-                <a:latin typeface="Arial"/>
-                <a:ea typeface="ＭＳ Ｐゴシック" pitchFamily="-106" charset="-128"/>
-              </a:defRPr>
-            </a:lvl4pPr>
-            <a:lvl5pPr marL="2057400" indent="-228600" eaLnBrk="0" hangingPunct="0">
-              <a:defRPr sz="2000">
-                <a:solidFill>
-                  <a:schemeClr val="tx1"/>
-                </a:solidFill>
-                <a:latin typeface="Arial"/>
-                <a:ea typeface="ＭＳ Ｐゴシック" pitchFamily="-106" charset="-128"/>
-              </a:defRPr>
-            </a:lvl5pPr>
-            <a:lvl6pPr marL="2514600" indent="-228600" eaLnBrk="0" fontAlgn="base" hangingPunct="0">
-              <a:spcBef>
-                <a:spcPct val="0"/>
-              </a:spcBef>
-              <a:spcAft>
-                <a:spcPct val="0"/>
-              </a:spcAft>
-              <a:defRPr sz="2000">
-                <a:solidFill>
-                  <a:schemeClr val="tx1"/>
-                </a:solidFill>
-                <a:latin typeface="Arial"/>
-                <a:ea typeface="ＭＳ Ｐゴシック" pitchFamily="-106" charset="-128"/>
-              </a:defRPr>
-            </a:lvl6pPr>
-            <a:lvl7pPr marL="2971800" indent="-228600" eaLnBrk="0" fontAlgn="base" hangingPunct="0">
-              <a:spcBef>
-                <a:spcPct val="0"/>
-              </a:spcBef>
-              <a:spcAft>
-                <a:spcPct val="0"/>
-              </a:spcAft>
-              <a:defRPr sz="2000">
-                <a:solidFill>
-                  <a:schemeClr val="tx1"/>
-                </a:solidFill>
-                <a:latin typeface="Arial"/>
-                <a:ea typeface="ＭＳ Ｐゴシック" pitchFamily="-106" charset="-128"/>
-              </a:defRPr>
-            </a:lvl7pPr>
-            <a:lvl8pPr marL="3429000" indent="-228600" eaLnBrk="0" fontAlgn="base" hangingPunct="0">
-              <a:spcBef>
-                <a:spcPct val="0"/>
-              </a:spcBef>
-              <a:spcAft>
-                <a:spcPct val="0"/>
-              </a:spcAft>
-              <a:defRPr sz="2000">
-                <a:solidFill>
-                  <a:schemeClr val="tx1"/>
-                </a:solidFill>
-                <a:latin typeface="Arial"/>
-                <a:ea typeface="ＭＳ Ｐゴシック" pitchFamily="-106" charset="-128"/>
-              </a:defRPr>
-            </a:lvl8pPr>
-            <a:lvl9pPr marL="3886200" indent="-228600" eaLnBrk="0" fontAlgn="base" hangingPunct="0">
-              <a:spcBef>
-                <a:spcPct val="0"/>
-              </a:spcBef>
-              <a:spcAft>
-                <a:spcPct val="0"/>
-              </a:spcAft>
-              <a:defRPr sz="2000">
-                <a:solidFill>
-                  <a:schemeClr val="tx1"/>
-                </a:solidFill>
-                <a:latin typeface="Arial"/>
-                <a:ea typeface="ＭＳ Ｐゴシック" pitchFamily="-106" charset="-128"/>
-              </a:defRPr>
-            </a:lvl9pPr>
-          </a:lstStyle>
-          <a:p>
-            <a:pPr algn="just">
-              <a:lnSpc>
-                <a:spcPct val="110000"/>
-              </a:lnSpc>
-            </a:pPr>
-            <a:r>
-              <a:rPr lang="en-US" sz="2800" b="1" dirty="0">
-                <a:effectLst/>
-                <a:latin typeface="Quattrocento Sans" panose="020B0502050000020003" pitchFamily="34" charset="0"/>
-                <a:cs typeface="Arial" pitchFamily="34" charset="0"/>
-              </a:rPr>
-              <a:t>Note: </a:t>
-            </a:r>
-            <a:r>
-              <a:rPr lang="en-US" sz="2800" dirty="0">
-                <a:effectLst/>
-                <a:latin typeface="Quattrocento Sans" panose="020B0502050000020003" pitchFamily="34" charset="0"/>
-                <a:cs typeface="Arial" pitchFamily="34" charset="0"/>
-              </a:rPr>
-              <a:t>Performance metrics vary by domain </a:t>
-            </a:r>
-            <a:r>
-              <a:rPr lang="en-US" sz="2800" b="1" dirty="0">
-                <a:effectLst/>
-                <a:latin typeface="Quattrocento Sans" panose="020B0502050000020003" pitchFamily="34" charset="0"/>
-                <a:cs typeface="Arial" pitchFamily="34" charset="0"/>
-              </a:rPr>
-              <a:t>(speedup, fewer nodes, fewer steps)</a:t>
-            </a:r>
-          </a:p>
-        </p:txBody>
-      </p:sp>
-      <p:sp>
-        <p:nvSpPr>
-          <p:cNvPr id="27" name="Rectangle 26">
-            <a:extLst>
-              <a:ext uri="{FF2B5EF4-FFF2-40B4-BE49-F238E27FC236}">
-                <a16:creationId xmlns:a16="http://schemas.microsoft.com/office/drawing/2014/main" id="{4E7DD4CC-0D2B-5B01-00BE-505AC8E6562E}"/>
+                <a16:creationId xmlns:a16="http://schemas.microsoft.com/office/drawing/2014/main" id="{A2C12D4E-F552-6A5C-1FDB-323A3A4C349C}"/>
               </a:ext>
             </a:extLst>
           </p:cNvPr>
@@ -5866,8 +5808,8 @@
         </p:nvSpPr>
         <p:spPr>
           <a:xfrm>
-            <a:off x="33680401" y="5198484"/>
-            <a:ext cx="16776556" cy="9468479"/>
+            <a:off x="228600" y="16703233"/>
+            <a:ext cx="15576024" cy="11889569"/>
           </a:xfrm>
           <a:prstGeom prst="rect">
             <a:avLst/>
@@ -5912,10 +5854,10 @@
       </p:sp>
       <p:sp>
         <p:nvSpPr>
-          <p:cNvPr id="29" name="TextBox 19">
+          <p:cNvPr id="39" name="TextBox 19">
             <a:extLst>
               <a:ext uri="{FF2B5EF4-FFF2-40B4-BE49-F238E27FC236}">
-                <a16:creationId xmlns:a16="http://schemas.microsoft.com/office/drawing/2014/main" id="{B3142DC7-558C-7D39-1482-2EDDCC0B1F9A}"/>
+                <a16:creationId xmlns:a16="http://schemas.microsoft.com/office/drawing/2014/main" id="{398F6A8D-09CB-E0D4-729B-3EB9CF72C8DA}"/>
               </a:ext>
             </a:extLst>
           </p:cNvPr>
@@ -5926,8 +5868,8 @@
         </p:nvSpPr>
         <p:spPr bwMode="auto">
           <a:xfrm>
-            <a:off x="37891129" y="7152206"/>
-            <a:ext cx="8398404" cy="423237"/>
+            <a:off x="429947" y="18656957"/>
+            <a:ext cx="8975519" cy="423237"/>
           </a:xfrm>
           <a:prstGeom prst="rect">
             <a:avLst/>
@@ -6086,10 +6028,10 @@
       </p:sp>
       <p:sp>
         <p:nvSpPr>
-          <p:cNvPr id="30" name="Rectangle 10">
+          <p:cNvPr id="40" name="Rectangle 10">
             <a:extLst>
               <a:ext uri="{FF2B5EF4-FFF2-40B4-BE49-F238E27FC236}">
-                <a16:creationId xmlns:a16="http://schemas.microsoft.com/office/drawing/2014/main" id="{164D7479-FB81-AA6A-2DE6-72938267689D}"/>
+                <a16:creationId xmlns:a16="http://schemas.microsoft.com/office/drawing/2014/main" id="{B02B5D50-C693-99A7-28B5-70158180079E}"/>
               </a:ext>
             </a:extLst>
           </p:cNvPr>
@@ -6100,8 +6042,8 @@
         </p:nvSpPr>
         <p:spPr bwMode="auto">
           <a:xfrm>
-            <a:off x="33680399" y="4179927"/>
-            <a:ext cx="16776556" cy="1016499"/>
+            <a:off x="228600" y="15939097"/>
+            <a:ext cx="15576024" cy="778921"/>
           </a:xfrm>
           <a:prstGeom prst="snipRoundRect">
             <a:avLst>
@@ -6136,17 +6078,17 @@
                 <a:effectLst/>
                 <a:latin typeface="Quattrocento" panose="02020802030000000404" pitchFamily="18" charset="0"/>
               </a:rPr>
-              <a:t>Neural Network Architectures</a:t>
+              <a:t>Learning Strategies: Supervised vs. Reinforcement</a:t>
             </a:r>
           </a:p>
         </p:txBody>
       </p:sp>
       <p:pic>
         <p:nvPicPr>
-          <p:cNvPr id="31" name="Graphic 30">
+          <p:cNvPr id="43" name="Graphic 42">
             <a:extLst>
               <a:ext uri="{FF2B5EF4-FFF2-40B4-BE49-F238E27FC236}">
-                <a16:creationId xmlns:a16="http://schemas.microsoft.com/office/drawing/2014/main" id="{5571DA1E-7FDC-30E8-7F5E-70146AD8BB04}"/>
+                <a16:creationId xmlns:a16="http://schemas.microsoft.com/office/drawing/2014/main" id="{A06591EC-FDD0-4FFC-F86E-D6FFE54C905B}"/>
               </a:ext>
             </a:extLst>
           </p:cNvPr>
@@ -6168,8 +6110,44 @@
         </p:blipFill>
         <p:spPr>
           <a:xfrm>
-            <a:off x="33680399" y="5107221"/>
-            <a:ext cx="16764001" cy="8503788"/>
+            <a:off x="304786" y="16943938"/>
+            <a:ext cx="15363141" cy="11644208"/>
+          </a:xfrm>
+          <a:prstGeom prst="rect">
+            <a:avLst/>
+          </a:prstGeom>
+        </p:spPr>
+      </p:pic>
+      <p:pic>
+        <p:nvPicPr>
+          <p:cNvPr id="3" name="Picture 2" descr="A white sheet with black text&#10;&#10;AI-generated content may be incorrect.">
+            <a:extLst>
+              <a:ext uri="{FF2B5EF4-FFF2-40B4-BE49-F238E27FC236}">
+                <a16:creationId xmlns:a16="http://schemas.microsoft.com/office/drawing/2014/main" id="{4F9567DB-EDED-F791-4E87-75F5353ADF57}"/>
+              </a:ext>
+            </a:extLst>
+          </p:cNvPr>
+          <p:cNvPicPr>
+            <a:picLocks noChangeAspect="1"/>
+          </p:cNvPicPr>
+          <p:nvPr/>
+        </p:nvPicPr>
+        <p:blipFill>
+          <a:blip r:embed="rId12">
+            <a:extLst>
+              <a:ext uri="{28A0092B-C50C-407E-A947-70E740481C1C}">
+                <a14:useLocalDpi xmlns:a14="http://schemas.microsoft.com/office/drawing/2010/main" val="0"/>
+              </a:ext>
+            </a:extLst>
+          </a:blip>
+          <a:stretch>
+            <a:fillRect/>
+          </a:stretch>
+        </p:blipFill>
+        <p:spPr>
+          <a:xfrm>
+            <a:off x="16237584" y="16876539"/>
+            <a:ext cx="18169019" cy="10393633"/>
           </a:xfrm>
           <a:prstGeom prst="rect">
             <a:avLst/>
@@ -6178,10 +6156,10 @@
       </p:pic>
       <p:sp>
         <p:nvSpPr>
-          <p:cNvPr id="34" name="TextBox 19">
+          <p:cNvPr id="8" name="TextBox 19">
             <a:extLst>
               <a:ext uri="{FF2B5EF4-FFF2-40B4-BE49-F238E27FC236}">
-                <a16:creationId xmlns:a16="http://schemas.microsoft.com/office/drawing/2014/main" id="{6E0DD737-4B46-8BC1-29C8-CC5D2545E9F4}"/>
+                <a16:creationId xmlns:a16="http://schemas.microsoft.com/office/drawing/2014/main" id="{15355B8A-1CFE-8390-03FF-4DFF65A2FFFA}"/>
               </a:ext>
             </a:extLst>
           </p:cNvPr>
@@ -6192,8 +6170,8 @@
         </p:nvSpPr>
         <p:spPr bwMode="auto">
           <a:xfrm>
-            <a:off x="35052000" y="13485299"/>
-            <a:ext cx="15759236" cy="1144267"/>
+            <a:off x="39937973" y="17281678"/>
+            <a:ext cx="5464780" cy="3446436"/>
           </a:xfrm>
           <a:prstGeom prst="rect">
             <a:avLst/>
@@ -6337,137 +6315,88 @@
             </a:lvl9pPr>
           </a:lstStyle>
           <a:p>
-            <a:pPr algn="just">
+            <a:pPr>
               <a:lnSpc>
                 <a:spcPct val="110000"/>
               </a:lnSpc>
             </a:pPr>
             <a:r>
-              <a:rPr lang="en-US" sz="3200" b="1" dirty="0">
+              <a:rPr lang="en-US" sz="3600" b="1" dirty="0">
                 <a:effectLst/>
                 <a:latin typeface="Quattrocento Sans" panose="020B0502050000020003" pitchFamily="34" charset="0"/>
                 <a:cs typeface="Arial" pitchFamily="34" charset="0"/>
               </a:rPr>
-              <a:t>Hybrid neural-algorithmic approaches show the most promise, </a:t>
-            </a:r>
-          </a:p>
-          <a:p>
-            <a:pPr algn="just">
+              <a:t>Efficient Neural Architectures:</a:t>
+            </a:r>
+          </a:p>
+          <a:p>
+            <a:pPr>
               <a:lnSpc>
                 <a:spcPct val="110000"/>
               </a:lnSpc>
             </a:pPr>
             <a:r>
-              <a:rPr lang="en-US" sz="3200" b="1" dirty="0">
+              <a:rPr lang="en-US" sz="3200" dirty="0">
                 <a:effectLst/>
                 <a:latin typeface="Quattrocento Sans" panose="020B0502050000020003" pitchFamily="34" charset="0"/>
                 <a:cs typeface="Arial" pitchFamily="34" charset="0"/>
               </a:rPr>
-              <a:t>Balancing solution quality, computational efficiency, and generalization</a:t>
-            </a:r>
-          </a:p>
-        </p:txBody>
-      </p:sp>
-      <p:pic>
-        <p:nvPicPr>
-          <p:cNvPr id="37" name="Graphic 36">
-            <a:extLst>
-              <a:ext uri="{FF2B5EF4-FFF2-40B4-BE49-F238E27FC236}">
-                <a16:creationId xmlns:a16="http://schemas.microsoft.com/office/drawing/2014/main" id="{7CC201CF-2C46-CD6D-F965-2EE0EE04D5B0}"/>
-              </a:ext>
-            </a:extLst>
-          </p:cNvPr>
-          <p:cNvPicPr>
-            <a:picLocks noChangeAspect="1"/>
-          </p:cNvPicPr>
-          <p:nvPr/>
-        </p:nvPicPr>
-        <p:blipFill>
-          <a:blip r:embed="rId12">
-            <a:extLst>
-              <a:ext uri="{96DAC541-7B7A-43D3-8B79-37D633B846F1}">
-                <asvg:svgBlip xmlns:asvg="http://schemas.microsoft.com/office/drawing/2016/SVG/main" r:embed="rId13"/>
-              </a:ext>
-            </a:extLst>
-          </a:blip>
-          <a:stretch>
-            <a:fillRect/>
-          </a:stretch>
-        </p:blipFill>
-        <p:spPr>
-          <a:xfrm>
-            <a:off x="36110326" y="15840407"/>
-            <a:ext cx="14181387" cy="9391762"/>
-          </a:xfrm>
-          <a:prstGeom prst="rect">
-            <a:avLst/>
-          </a:prstGeom>
-        </p:spPr>
-      </p:pic>
-      <p:sp>
-        <p:nvSpPr>
-          <p:cNvPr id="38" name="Rectangle 37">
-            <a:extLst>
-              <a:ext uri="{FF2B5EF4-FFF2-40B4-BE49-F238E27FC236}">
-                <a16:creationId xmlns:a16="http://schemas.microsoft.com/office/drawing/2014/main" id="{A2C12D4E-F552-6A5C-1FDB-323A3A4C349C}"/>
-              </a:ext>
-            </a:extLst>
-          </p:cNvPr>
-          <p:cNvSpPr/>
-          <p:nvPr/>
-        </p:nvSpPr>
-        <p:spPr>
-          <a:xfrm>
-            <a:off x="1046494" y="20198720"/>
-            <a:ext cx="14574505" cy="8376280"/>
-          </a:xfrm>
-          <a:prstGeom prst="rect">
-            <a:avLst/>
-          </a:prstGeom>
-          <a:solidFill>
-            <a:schemeClr val="bg1"/>
-          </a:solidFill>
-          <a:ln>
-            <a:noFill/>
-          </a:ln>
-        </p:spPr>
-        <p:style>
-          <a:lnRef idx="2">
-            <a:schemeClr val="accent1">
-              <a:shade val="50000"/>
-            </a:schemeClr>
-          </a:lnRef>
-          <a:fillRef idx="1">
-            <a:schemeClr val="accent1"/>
-          </a:fillRef>
-          <a:effectRef idx="0">
-            <a:schemeClr val="accent1"/>
-          </a:effectRef>
-          <a:fontRef idx="minor">
-            <a:schemeClr val="lt1"/>
-          </a:fontRef>
-        </p:style>
-        <p:txBody>
-          <a:bodyPr rtlCol="0" anchor="ctr"/>
-          <a:lstStyle>
-            <a:defPPr>
-              <a:defRPr kern="1200"/>
-            </a:defPPr>
-          </a:lstStyle>
-          <a:p>
-            <a:pPr algn="ctr"/>
-            <a:endParaRPr lang="en-US" sz="8400" dirty="0">
-              <a:latin typeface="+mj-lt"/>
-            </a:endParaRPr>
+              <a:t>Specialized GNN architectures</a:t>
+            </a:r>
+          </a:p>
+          <a:p>
+            <a:pPr>
+              <a:lnSpc>
+                <a:spcPct val="110000"/>
+              </a:lnSpc>
+            </a:pPr>
+            <a:r>
+              <a:rPr lang="en-US" sz="3200" dirty="0">
+                <a:effectLst/>
+                <a:latin typeface="Quattrocento Sans" panose="020B0502050000020003" pitchFamily="34" charset="0"/>
+                <a:cs typeface="Arial" pitchFamily="34" charset="0"/>
+              </a:rPr>
+              <a:t>Attention mechanisms for CO</a:t>
+            </a:r>
+          </a:p>
+          <a:p>
+            <a:pPr>
+              <a:lnSpc>
+                <a:spcPct val="110000"/>
+              </a:lnSpc>
+            </a:pPr>
+            <a:r>
+              <a:rPr lang="en-US" sz="3200" dirty="0">
+                <a:effectLst/>
+                <a:latin typeface="Quattrocento Sans" panose="020B0502050000020003" pitchFamily="34" charset="0"/>
+                <a:cs typeface="Arial" pitchFamily="34" charset="0"/>
+              </a:rPr>
+              <a:t>Memory-efficient designs</a:t>
+            </a:r>
+          </a:p>
+          <a:p>
+            <a:pPr>
+              <a:lnSpc>
+                <a:spcPct val="110000"/>
+              </a:lnSpc>
+            </a:pPr>
+            <a:r>
+              <a:rPr lang="en-US" sz="3200" dirty="0">
+                <a:effectLst/>
+                <a:latin typeface="Quattrocento Sans" panose="020B0502050000020003" pitchFamily="34" charset="0"/>
+                <a:cs typeface="Arial" pitchFamily="34" charset="0"/>
+              </a:rPr>
+              <a:t>Neural architecture search</a:t>
+            </a:r>
           </a:p>
         </p:txBody>
       </p:sp>
       <p:sp>
         <p:nvSpPr>
-          <p:cNvPr id="39" name="TextBox 19">
+          <p:cNvPr id="10" name="TextBox 19">
             <a:extLst>
               <a:ext uri="{FF2B5EF4-FFF2-40B4-BE49-F238E27FC236}">
-                <a16:creationId xmlns:a16="http://schemas.microsoft.com/office/drawing/2014/main" id="{398F6A8D-09CB-E0D4-729B-3EB9CF72C8DA}"/>
+                <a16:creationId xmlns:a16="http://schemas.microsoft.com/office/drawing/2014/main" id="{34D9A5D9-4C0C-05F0-E25E-8870BD38273C}"/>
               </a:ext>
             </a:extLst>
           </p:cNvPr>
@@ -6478,8 +6407,8 @@
         </p:nvSpPr>
         <p:spPr bwMode="auto">
           <a:xfrm>
-            <a:off x="1247842" y="22152443"/>
-            <a:ext cx="8398404" cy="423237"/>
+            <a:off x="45583421" y="17381094"/>
+            <a:ext cx="5292793" cy="3920412"/>
           </a:xfrm>
           <a:prstGeom prst="rect">
             <a:avLst/>
@@ -6623,233 +6552,88 @@
             </a:lvl9pPr>
           </a:lstStyle>
           <a:p>
-            <a:pPr algn="just">
+            <a:pPr>
               <a:lnSpc>
                 <a:spcPct val="110000"/>
               </a:lnSpc>
             </a:pPr>
-            <a:endParaRPr lang="en-US" sz="2100" dirty="0">
-              <a:effectLst/>
-              <a:latin typeface="Quattrocento Sans" panose="020B0502050000020003" pitchFamily="34" charset="0"/>
-              <a:cs typeface="Arial" pitchFamily="34" charset="0"/>
-            </a:endParaRPr>
+            <a:r>
+              <a:rPr lang="en-US" sz="3600" b="1" dirty="0">
+                <a:effectLst/>
+                <a:latin typeface="Quattrocento Sans" panose="020B0502050000020003" pitchFamily="34" charset="0"/>
+                <a:cs typeface="Arial" pitchFamily="34" charset="0"/>
+              </a:rPr>
+              <a:t>Transfer Learning:</a:t>
+            </a:r>
+          </a:p>
+          <a:p>
+            <a:pPr>
+              <a:lnSpc>
+                <a:spcPct val="110000"/>
+              </a:lnSpc>
+            </a:pPr>
+            <a:r>
+              <a:rPr lang="en-US" sz="3200" dirty="0">
+                <a:effectLst/>
+                <a:latin typeface="Quattrocento Sans" panose="020B0502050000020003" pitchFamily="34" charset="0"/>
+                <a:cs typeface="Arial" pitchFamily="34" charset="0"/>
+              </a:rPr>
+              <a:t>Cross-domain knowledge transfer</a:t>
+            </a:r>
+          </a:p>
+          <a:p>
+            <a:pPr>
+              <a:lnSpc>
+                <a:spcPct val="110000"/>
+              </a:lnSpc>
+            </a:pPr>
+            <a:r>
+              <a:rPr lang="en-US" sz="3200" dirty="0">
+                <a:effectLst/>
+                <a:latin typeface="Quattrocento Sans" panose="020B0502050000020003" pitchFamily="34" charset="0"/>
+                <a:cs typeface="Arial" pitchFamily="34" charset="0"/>
+              </a:rPr>
+              <a:t>Few-shot learning for new problems</a:t>
+            </a:r>
+          </a:p>
+          <a:p>
+            <a:pPr>
+              <a:lnSpc>
+                <a:spcPct val="110000"/>
+              </a:lnSpc>
+            </a:pPr>
+            <a:r>
+              <a:rPr lang="en-US" sz="3200" dirty="0">
+                <a:effectLst/>
+                <a:latin typeface="Quattrocento Sans" panose="020B0502050000020003" pitchFamily="34" charset="0"/>
+                <a:cs typeface="Arial" pitchFamily="34" charset="0"/>
+              </a:rPr>
+              <a:t>Size-agnostic model training</a:t>
+            </a:r>
+          </a:p>
+          <a:p>
+            <a:pPr>
+              <a:lnSpc>
+                <a:spcPct val="110000"/>
+              </a:lnSpc>
+            </a:pPr>
+            <a:r>
+              <a:rPr lang="en-US" sz="3200" dirty="0">
+                <a:effectLst/>
+                <a:latin typeface="Quattrocento Sans" panose="020B0502050000020003" pitchFamily="34" charset="0"/>
+                <a:cs typeface="Arial" pitchFamily="34" charset="0"/>
+              </a:rPr>
+              <a:t>Meta-learning approaches</a:t>
+            </a:r>
           </a:p>
         </p:txBody>
       </p:sp>
       <p:sp>
         <p:nvSpPr>
-          <p:cNvPr id="40" name="Rectangle 10">
+          <p:cNvPr id="11" name="TextBox 19">
             <a:extLst>
               <a:ext uri="{FF2B5EF4-FFF2-40B4-BE49-F238E27FC236}">
-                <a16:creationId xmlns:a16="http://schemas.microsoft.com/office/drawing/2014/main" id="{B02B5D50-C693-99A7-28B5-70158180079E}"/>
-              </a:ext>
-            </a:extLst>
-          </p:cNvPr>
-          <p:cNvSpPr>
-            <a:spLocks noChangeArrowheads="1"/>
-          </p:cNvSpPr>
-          <p:nvPr/>
-        </p:nvSpPr>
-        <p:spPr bwMode="auto">
-          <a:xfrm>
-            <a:off x="1046494" y="19434583"/>
-            <a:ext cx="14574505" cy="764137"/>
-          </a:xfrm>
-          <a:prstGeom prst="snipRoundRect">
-            <a:avLst>
-              <a:gd name="adj1" fmla="val 0"/>
-              <a:gd name="adj2" fmla="val 50000"/>
-            </a:avLst>
-          </a:prstGeom>
-          <a:solidFill>
-            <a:srgbClr val="664F93"/>
-          </a:solidFill>
-          <a:ln w="12700">
-            <a:noFill/>
-            <a:miter lim="800000"/>
-          </a:ln>
-        </p:spPr>
-        <p:txBody>
-          <a:bodyPr wrap="none" lIns="240030" tIns="64008" rIns="240030" bIns="59993" anchor="ctr" anchorCtr="0"/>
-          <a:lstStyle>
-            <a:defPPr>
-              <a:defRPr kern="1200"/>
-            </a:defPPr>
-          </a:lstStyle>
-          <a:p>
-            <a:pPr defTabSz="4114765">
-              <a:defRPr/>
-            </a:pPr>
-            <a:r>
-              <a:rPr lang="en-US" sz="3150" b="1" dirty="0">
-                <a:solidFill>
-                  <a:schemeClr val="bg1"/>
-                </a:solidFill>
-                <a:effectLst/>
-                <a:latin typeface="Quattrocento" panose="02020802030000000404" pitchFamily="18" charset="0"/>
-              </a:rPr>
-              <a:t>Learning Strategies</a:t>
-            </a:r>
-          </a:p>
-        </p:txBody>
-      </p:sp>
-      <p:pic>
-        <p:nvPicPr>
-          <p:cNvPr id="43" name="Graphic 42">
-            <a:extLst>
-              <a:ext uri="{FF2B5EF4-FFF2-40B4-BE49-F238E27FC236}">
-                <a16:creationId xmlns:a16="http://schemas.microsoft.com/office/drawing/2014/main" id="{A06591EC-FDD0-4FFC-F86E-D6FFE54C905B}"/>
-              </a:ext>
-            </a:extLst>
-          </p:cNvPr>
-          <p:cNvPicPr>
-            <a:picLocks noChangeAspect="1"/>
-          </p:cNvPicPr>
-          <p:nvPr/>
-        </p:nvPicPr>
-        <p:blipFill>
-          <a:blip r:embed="rId14">
-            <a:extLst>
-              <a:ext uri="{96DAC541-7B7A-43D3-8B79-37D633B846F1}">
-                <asvg:svgBlip xmlns:asvg="http://schemas.microsoft.com/office/drawing/2016/SVG/main" r:embed="rId15"/>
-              </a:ext>
-            </a:extLst>
-          </a:blip>
-          <a:stretch>
-            <a:fillRect/>
-          </a:stretch>
-        </p:blipFill>
-        <p:spPr>
-          <a:xfrm>
-            <a:off x="1090945" y="20280801"/>
-            <a:ext cx="14530053" cy="8294199"/>
-          </a:xfrm>
-          <a:prstGeom prst="rect">
-            <a:avLst/>
-          </a:prstGeom>
-        </p:spPr>
-      </p:pic>
-      <p:sp>
-        <p:nvSpPr>
-          <p:cNvPr id="44" name="Rectangle 43">
-            <a:extLst>
-              <a:ext uri="{FF2B5EF4-FFF2-40B4-BE49-F238E27FC236}">
-                <a16:creationId xmlns:a16="http://schemas.microsoft.com/office/drawing/2014/main" id="{6F4FC1BD-2D72-F2FF-B159-F452B767CA9A}"/>
-              </a:ext>
-            </a:extLst>
-          </p:cNvPr>
-          <p:cNvSpPr/>
-          <p:nvPr/>
-        </p:nvSpPr>
-        <p:spPr>
-          <a:xfrm>
-            <a:off x="36118514" y="26352480"/>
-            <a:ext cx="14173200" cy="2222519"/>
-          </a:xfrm>
-          <a:prstGeom prst="rect">
-            <a:avLst/>
-          </a:prstGeom>
-          <a:solidFill>
-            <a:schemeClr val="bg1"/>
-          </a:solidFill>
-          <a:ln>
-            <a:noFill/>
-          </a:ln>
-        </p:spPr>
-        <p:style>
-          <a:lnRef idx="2">
-            <a:schemeClr val="accent1">
-              <a:shade val="50000"/>
-            </a:schemeClr>
-          </a:lnRef>
-          <a:fillRef idx="1">
-            <a:schemeClr val="accent1"/>
-          </a:fillRef>
-          <a:effectRef idx="0">
-            <a:schemeClr val="accent1"/>
-          </a:effectRef>
-          <a:fontRef idx="minor">
-            <a:schemeClr val="lt1"/>
-          </a:fontRef>
-        </p:style>
-        <p:txBody>
-          <a:bodyPr rtlCol="0" anchor="ctr"/>
-          <a:lstStyle>
-            <a:defPPr>
-              <a:defRPr kern="1200"/>
-            </a:defPPr>
-          </a:lstStyle>
-          <a:p>
-            <a:pPr algn="ctr"/>
-            <a:endParaRPr lang="en-US" sz="8400" dirty="0">
-              <a:latin typeface="+mj-lt"/>
-            </a:endParaRPr>
-          </a:p>
-        </p:txBody>
-      </p:sp>
-      <p:sp>
-        <p:nvSpPr>
-          <p:cNvPr id="45" name="Rectangle 10">
-            <a:extLst>
-              <a:ext uri="{FF2B5EF4-FFF2-40B4-BE49-F238E27FC236}">
-                <a16:creationId xmlns:a16="http://schemas.microsoft.com/office/drawing/2014/main" id="{4C1D15ED-3713-4762-C0C4-FE0145E06358}"/>
-              </a:ext>
-            </a:extLst>
-          </p:cNvPr>
-          <p:cNvSpPr>
-            <a:spLocks noChangeArrowheads="1"/>
-          </p:cNvSpPr>
-          <p:nvPr/>
-        </p:nvSpPr>
-        <p:spPr bwMode="auto">
-          <a:xfrm>
-            <a:off x="36114420" y="25615776"/>
-            <a:ext cx="14177293" cy="736704"/>
-          </a:xfrm>
-          <a:prstGeom prst="snipRoundRect">
-            <a:avLst>
-              <a:gd name="adj1" fmla="val 0"/>
-              <a:gd name="adj2" fmla="val 50000"/>
-            </a:avLst>
-          </a:prstGeom>
-          <a:solidFill>
-            <a:srgbClr val="3684A0"/>
-          </a:solidFill>
-          <a:ln w="12700">
-            <a:noFill/>
-            <a:miter lim="800000"/>
-          </a:ln>
-        </p:spPr>
-        <p:txBody>
-          <a:bodyPr wrap="none" lIns="240030" tIns="64008" rIns="240030" bIns="59993" anchor="ctr" anchorCtr="0"/>
-          <a:lstStyle>
-            <a:defPPr>
-              <a:defRPr kern="1200"/>
-            </a:defPPr>
-          </a:lstStyle>
-          <a:p>
-            <a:pPr defTabSz="4114765">
-              <a:defRPr/>
-            </a:pPr>
-            <a:r>
-              <a:rPr lang="en-US" sz="3150" b="1" dirty="0">
-                <a:solidFill>
-                  <a:schemeClr val="bg1"/>
-                </a:solidFill>
-                <a:effectLst/>
-                <a:latin typeface="Quattrocento" panose="02020802030000000404" pitchFamily="18" charset="0"/>
-              </a:rPr>
-              <a:t>Conclusion</a:t>
-            </a:r>
-          </a:p>
-        </p:txBody>
-      </p:sp>
-      <p:sp>
-        <p:nvSpPr>
-          <p:cNvPr id="47" name="TextBox 19">
-            <a:extLst>
-              <a:ext uri="{FF2B5EF4-FFF2-40B4-BE49-F238E27FC236}">
-                <a16:creationId xmlns:a16="http://schemas.microsoft.com/office/drawing/2014/main" id="{5948A57A-8147-C03E-4A01-B5996C26F9C1}"/>
+                <a16:creationId xmlns:a16="http://schemas.microsoft.com/office/drawing/2014/main" id="{AE3A95EC-8FDE-7378-1FAD-F47480C9F1E3}"/>
               </a:ext>
             </a:extLst>
           </p:cNvPr>
@@ -6860,8 +6644,8 @@
         </p:nvSpPr>
         <p:spPr bwMode="auto">
           <a:xfrm>
-            <a:off x="36110326" y="26352480"/>
-            <a:ext cx="14048052" cy="2227641"/>
+            <a:off x="40048751" y="25682496"/>
+            <a:ext cx="5504675" cy="4462099"/>
           </a:xfrm>
           <a:prstGeom prst="rect">
             <a:avLst/>
@@ -7005,7 +6789,22 @@
             </a:lvl9pPr>
           </a:lstStyle>
           <a:p>
-            <a:pPr algn="just">
+            <a:pPr>
+              <a:lnSpc>
+                <a:spcPct val="110000"/>
+              </a:lnSpc>
+            </a:pPr>
+            <a:r>
+              <a:rPr lang="en-US" sz="3600" b="1" dirty="0">
+                <a:effectLst/>
+                <a:latin typeface="Quattrocento Sans" panose="020B0502050000020003" pitchFamily="34" charset="0"/>
+                <a:cs typeface="Arial" pitchFamily="34" charset="0"/>
+              </a:rPr>
+              <a:t>Benchmarks &amp; Evaluation:</a:t>
+            </a:r>
+          </a:p>
+          <a:p>
+            <a:pPr>
               <a:lnSpc>
                 <a:spcPct val="110000"/>
               </a:lnSpc>
@@ -7016,47 +6815,530 @@
                 <a:latin typeface="Quattrocento Sans" panose="020B0502050000020003" pitchFamily="34" charset="0"/>
                 <a:cs typeface="Arial" pitchFamily="34" charset="0"/>
               </a:rPr>
-              <a:t>Machine learning approaches show promising results for combinatorial optimization, with The use of Graph Neural Networks, hybrid approaches combining ML with traditional algorithms offering the best balance. While significant advances have been made, challenges remain.</a:t>
+              <a:t>Diverse problem instance libraries</a:t>
+            </a:r>
+          </a:p>
+          <a:p>
+            <a:pPr>
+              <a:lnSpc>
+                <a:spcPct val="110000"/>
+              </a:lnSpc>
+            </a:pPr>
+            <a:r>
+              <a:rPr lang="en-US" sz="3200" dirty="0">
+                <a:effectLst/>
+                <a:latin typeface="Quattrocento Sans" panose="020B0502050000020003" pitchFamily="34" charset="0"/>
+                <a:cs typeface="Arial" pitchFamily="34" charset="0"/>
+              </a:rPr>
+              <a:t>Standardized evaluation metrics</a:t>
+            </a:r>
+          </a:p>
+          <a:p>
+            <a:pPr>
+              <a:lnSpc>
+                <a:spcPct val="110000"/>
+              </a:lnSpc>
+            </a:pPr>
+            <a:r>
+              <a:rPr lang="en-US" sz="3200" dirty="0">
+                <a:effectLst/>
+                <a:latin typeface="Quattrocento Sans" panose="020B0502050000020003" pitchFamily="34" charset="0"/>
+                <a:cs typeface="Arial" pitchFamily="34" charset="0"/>
+              </a:rPr>
+              <a:t>Cross-architecture comparison tools</a:t>
+            </a:r>
+          </a:p>
+          <a:p>
+            <a:pPr>
+              <a:lnSpc>
+                <a:spcPct val="110000"/>
+              </a:lnSpc>
+            </a:pPr>
+            <a:r>
+              <a:rPr lang="en-US" sz="3200" dirty="0">
+                <a:effectLst/>
+                <a:latin typeface="Quattrocento Sans" panose="020B0502050000020003" pitchFamily="34" charset="0"/>
+                <a:cs typeface="Arial" pitchFamily="34" charset="0"/>
+              </a:rPr>
+              <a:t>Reproducibility frameworks</a:t>
             </a:r>
           </a:p>
         </p:txBody>
       </p:sp>
-      <p:pic>
-        <p:nvPicPr>
-          <p:cNvPr id="3" name="Picture 2" descr="A qr code with blue squares&#10;&#10;AI-generated content may be incorrect.">
+      <p:sp>
+        <p:nvSpPr>
+          <p:cNvPr id="14" name="TextBox 19">
             <a:extLst>
               <a:ext uri="{FF2B5EF4-FFF2-40B4-BE49-F238E27FC236}">
-                <a16:creationId xmlns:a16="http://schemas.microsoft.com/office/drawing/2014/main" id="{8003FB35-8C3C-9161-CD73-31257CE53234}"/>
+                <a16:creationId xmlns:a16="http://schemas.microsoft.com/office/drawing/2014/main" id="{F993FE7F-38F4-C43E-ABC7-B4E1E674E9AC}"/>
               </a:ext>
             </a:extLst>
           </p:cNvPr>
-          <p:cNvPicPr>
-            <a:picLocks noChangeAspect="1"/>
-          </p:cNvPicPr>
+          <p:cNvSpPr txBox="1">
+            <a:spLocks noChangeArrowheads="1"/>
+          </p:cNvSpPr>
           <p:nvPr/>
-        </p:nvPicPr>
-        <p:blipFill>
-          <a:blip r:embed="rId16">
-            <a:extLst>
-              <a:ext uri="{28A0092B-C50C-407E-A947-70E740481C1C}">
-                <a14:useLocalDpi xmlns:a14="http://schemas.microsoft.com/office/drawing/2010/main" val="0"/>
-              </a:ext>
-            </a:extLst>
-          </a:blip>
-          <a:stretch>
-            <a:fillRect/>
-          </a:stretch>
-        </p:blipFill>
-        <p:spPr>
+        </p:nvSpPr>
+        <p:spPr bwMode="auto">
           <a:xfrm>
-            <a:off x="46710600" y="617859"/>
-            <a:ext cx="2590800" cy="2590800"/>
+            <a:off x="45583421" y="21399781"/>
+            <a:ext cx="5292793" cy="5071496"/>
           </a:xfrm>
           <a:prstGeom prst="rect">
             <a:avLst/>
           </a:prstGeom>
+          <a:noFill/>
+          <a:ln>
+            <a:noFill/>
+          </a:ln>
+          <a:extLst>
+            <a:ext uri="{909E8E84-426E-40DD-AFC4-6F175D3DCCD1}">
+              <a14:hiddenFill xmlns:a14="http://schemas.microsoft.com/office/drawing/2010/main">
+                <a:solidFill>
+                  <a:srgbClr val="FFFFFF"/>
+                </a:solidFill>
+              </a14:hiddenFill>
+            </a:ext>
+            <a:ext uri="{91240B29-F687-4F45-9708-019B960494DF}">
+              <a14:hiddenLine xmlns:a14="http://schemas.microsoft.com/office/drawing/2010/main" w="9525">
+                <a:solidFill>
+                  <a:srgbClr val="000000"/>
+                </a:solidFill>
+                <a:miter lim="800000"/>
+                <a:headEnd/>
+                <a:tailEnd/>
+              </a14:hiddenLine>
+            </a:ext>
+          </a:extLst>
         </p:spPr>
-      </p:pic>
+        <p:txBody>
+          <a:bodyPr wrap="square" lIns="79991" tIns="39995" rIns="79991" bIns="39995">
+            <a:spAutoFit/>
+          </a:bodyPr>
+          <a:lstStyle>
+            <a:defPPr>
+              <a:defRPr kern="1200"/>
+            </a:defPPr>
+            <a:lvl1pPr eaLnBrk="0" hangingPunct="0">
+              <a:defRPr sz="2000">
+                <a:solidFill>
+                  <a:schemeClr val="tx1"/>
+                </a:solidFill>
+                <a:latin typeface="Arial"/>
+                <a:ea typeface="ＭＳ Ｐゴシック" pitchFamily="-106" charset="-128"/>
+              </a:defRPr>
+            </a:lvl1pPr>
+            <a:lvl2pPr eaLnBrk="0" hangingPunct="0">
+              <a:defRPr sz="2000">
+                <a:solidFill>
+                  <a:schemeClr val="tx1"/>
+                </a:solidFill>
+                <a:latin typeface="Arial"/>
+                <a:ea typeface="ＭＳ Ｐゴシック" pitchFamily="-106" charset="-128"/>
+              </a:defRPr>
+            </a:lvl2pPr>
+            <a:lvl3pPr marL="1143000" indent="-228600" eaLnBrk="0" hangingPunct="0">
+              <a:defRPr sz="2000">
+                <a:solidFill>
+                  <a:schemeClr val="tx1"/>
+                </a:solidFill>
+                <a:latin typeface="Arial"/>
+                <a:ea typeface="ＭＳ Ｐゴシック" pitchFamily="-106" charset="-128"/>
+              </a:defRPr>
+            </a:lvl3pPr>
+            <a:lvl4pPr marL="1600200" indent="-228600" eaLnBrk="0" hangingPunct="0">
+              <a:defRPr sz="2000">
+                <a:solidFill>
+                  <a:schemeClr val="tx1"/>
+                </a:solidFill>
+                <a:latin typeface="Arial"/>
+                <a:ea typeface="ＭＳ Ｐゴシック" pitchFamily="-106" charset="-128"/>
+              </a:defRPr>
+            </a:lvl4pPr>
+            <a:lvl5pPr marL="2057400" indent="-228600" eaLnBrk="0" hangingPunct="0">
+              <a:defRPr sz="2000">
+                <a:solidFill>
+                  <a:schemeClr val="tx1"/>
+                </a:solidFill>
+                <a:latin typeface="Arial"/>
+                <a:ea typeface="ＭＳ Ｐゴシック" pitchFamily="-106" charset="-128"/>
+              </a:defRPr>
+            </a:lvl5pPr>
+            <a:lvl6pPr marL="2514600" indent="-228600" eaLnBrk="0" fontAlgn="base" hangingPunct="0">
+              <a:spcBef>
+                <a:spcPct val="0"/>
+              </a:spcBef>
+              <a:spcAft>
+                <a:spcPct val="0"/>
+              </a:spcAft>
+              <a:defRPr sz="2000">
+                <a:solidFill>
+                  <a:schemeClr val="tx1"/>
+                </a:solidFill>
+                <a:latin typeface="Arial"/>
+                <a:ea typeface="ＭＳ Ｐゴシック" pitchFamily="-106" charset="-128"/>
+              </a:defRPr>
+            </a:lvl6pPr>
+            <a:lvl7pPr marL="2971800" indent="-228600" eaLnBrk="0" fontAlgn="base" hangingPunct="0">
+              <a:spcBef>
+                <a:spcPct val="0"/>
+              </a:spcBef>
+              <a:spcAft>
+                <a:spcPct val="0"/>
+              </a:spcAft>
+              <a:defRPr sz="2000">
+                <a:solidFill>
+                  <a:schemeClr val="tx1"/>
+                </a:solidFill>
+                <a:latin typeface="Arial"/>
+                <a:ea typeface="ＭＳ Ｐゴシック" pitchFamily="-106" charset="-128"/>
+              </a:defRPr>
+            </a:lvl7pPr>
+            <a:lvl8pPr marL="3429000" indent="-228600" eaLnBrk="0" fontAlgn="base" hangingPunct="0">
+              <a:spcBef>
+                <a:spcPct val="0"/>
+              </a:spcBef>
+              <a:spcAft>
+                <a:spcPct val="0"/>
+              </a:spcAft>
+              <a:defRPr sz="2000">
+                <a:solidFill>
+                  <a:schemeClr val="tx1"/>
+                </a:solidFill>
+                <a:latin typeface="Arial"/>
+                <a:ea typeface="ＭＳ Ｐゴシック" pitchFamily="-106" charset="-128"/>
+              </a:defRPr>
+            </a:lvl8pPr>
+            <a:lvl9pPr marL="3886200" indent="-228600" eaLnBrk="0" fontAlgn="base" hangingPunct="0">
+              <a:spcBef>
+                <a:spcPct val="0"/>
+              </a:spcBef>
+              <a:spcAft>
+                <a:spcPct val="0"/>
+              </a:spcAft>
+              <a:defRPr sz="2000">
+                <a:solidFill>
+                  <a:schemeClr val="tx1"/>
+                </a:solidFill>
+                <a:latin typeface="Arial"/>
+                <a:ea typeface="ＭＳ Ｐゴシック" pitchFamily="-106" charset="-128"/>
+              </a:defRPr>
+            </a:lvl9pPr>
+          </a:lstStyle>
+          <a:p>
+            <a:pPr>
+              <a:lnSpc>
+                <a:spcPct val="110000"/>
+              </a:lnSpc>
+            </a:pPr>
+            <a:r>
+              <a:rPr lang="en-US" sz="3600" b="1" dirty="0">
+                <a:effectLst/>
+                <a:latin typeface="Quattrocento Sans" panose="020B0502050000020003" pitchFamily="34" charset="0"/>
+                <a:cs typeface="Arial" pitchFamily="34" charset="0"/>
+              </a:rPr>
+              <a:t>Solver Integration Challenges:</a:t>
+            </a:r>
+          </a:p>
+          <a:p>
+            <a:pPr>
+              <a:lnSpc>
+                <a:spcPct val="110000"/>
+              </a:lnSpc>
+            </a:pPr>
+            <a:r>
+              <a:rPr lang="en-US" sz="3200" dirty="0">
+                <a:effectLst/>
+                <a:latin typeface="Quattrocento Sans" panose="020B0502050000020003" pitchFamily="34" charset="0"/>
+                <a:cs typeface="Arial" pitchFamily="34" charset="0"/>
+              </a:rPr>
+              <a:t>Efficient CPU-GPU communication</a:t>
+            </a:r>
+          </a:p>
+          <a:p>
+            <a:pPr>
+              <a:lnSpc>
+                <a:spcPct val="110000"/>
+              </a:lnSpc>
+            </a:pPr>
+            <a:r>
+              <a:rPr lang="en-US" sz="3200" dirty="0">
+                <a:effectLst/>
+                <a:latin typeface="Quattrocento Sans" panose="020B0502050000020003" pitchFamily="34" charset="0"/>
+                <a:cs typeface="Arial" pitchFamily="34" charset="0"/>
+              </a:rPr>
+              <a:t>Integration with commercial solvers</a:t>
+            </a:r>
+          </a:p>
+          <a:p>
+            <a:pPr>
+              <a:lnSpc>
+                <a:spcPct val="110000"/>
+              </a:lnSpc>
+            </a:pPr>
+            <a:r>
+              <a:rPr lang="en-US" sz="3200" dirty="0">
+                <a:effectLst/>
+                <a:latin typeface="Quattrocento Sans" panose="020B0502050000020003" pitchFamily="34" charset="0"/>
+                <a:cs typeface="Arial" pitchFamily="34" charset="0"/>
+              </a:rPr>
+              <a:t>Real-time decision support systems</a:t>
+            </a:r>
+          </a:p>
+          <a:p>
+            <a:pPr>
+              <a:lnSpc>
+                <a:spcPct val="110000"/>
+              </a:lnSpc>
+            </a:pPr>
+            <a:r>
+              <a:rPr lang="en-US" sz="3200" dirty="0">
+                <a:effectLst/>
+                <a:latin typeface="Quattrocento Sans" panose="020B0502050000020003" pitchFamily="34" charset="0"/>
+                <a:cs typeface="Arial" pitchFamily="34" charset="0"/>
+              </a:rPr>
+              <a:t>API standardization</a:t>
+            </a:r>
+          </a:p>
+        </p:txBody>
+      </p:sp>
+      <p:sp>
+        <p:nvSpPr>
+          <p:cNvPr id="15" name="TextBox 19">
+            <a:extLst>
+              <a:ext uri="{FF2B5EF4-FFF2-40B4-BE49-F238E27FC236}">
+                <a16:creationId xmlns:a16="http://schemas.microsoft.com/office/drawing/2014/main" id="{F3C444CD-C7A4-B2F8-E47D-9458F23E8F8A}"/>
+              </a:ext>
+            </a:extLst>
+          </p:cNvPr>
+          <p:cNvSpPr txBox="1">
+            <a:spLocks noChangeArrowheads="1"/>
+          </p:cNvSpPr>
+          <p:nvPr/>
+        </p:nvSpPr>
+        <p:spPr bwMode="auto">
+          <a:xfrm>
+            <a:off x="39885981" y="20728114"/>
+            <a:ext cx="5530879" cy="3378725"/>
+          </a:xfrm>
+          <a:prstGeom prst="rect">
+            <a:avLst/>
+          </a:prstGeom>
+          <a:noFill/>
+          <a:ln>
+            <a:noFill/>
+          </a:ln>
+          <a:extLst>
+            <a:ext uri="{909E8E84-426E-40DD-AFC4-6F175D3DCCD1}">
+              <a14:hiddenFill xmlns:a14="http://schemas.microsoft.com/office/drawing/2010/main">
+                <a:solidFill>
+                  <a:srgbClr val="FFFFFF"/>
+                </a:solidFill>
+              </a14:hiddenFill>
+            </a:ext>
+            <a:ext uri="{91240B29-F687-4F45-9708-019B960494DF}">
+              <a14:hiddenLine xmlns:a14="http://schemas.microsoft.com/office/drawing/2010/main" w="9525">
+                <a:solidFill>
+                  <a:srgbClr val="000000"/>
+                </a:solidFill>
+                <a:miter lim="800000"/>
+                <a:headEnd/>
+                <a:tailEnd/>
+              </a14:hiddenLine>
+            </a:ext>
+          </a:extLst>
+        </p:spPr>
+        <p:txBody>
+          <a:bodyPr wrap="square" lIns="79991" tIns="39995" rIns="79991" bIns="39995">
+            <a:spAutoFit/>
+          </a:bodyPr>
+          <a:lstStyle>
+            <a:defPPr>
+              <a:defRPr kern="1200"/>
+            </a:defPPr>
+            <a:lvl1pPr eaLnBrk="0" hangingPunct="0">
+              <a:defRPr sz="2000">
+                <a:solidFill>
+                  <a:schemeClr val="tx1"/>
+                </a:solidFill>
+                <a:latin typeface="Arial"/>
+                <a:ea typeface="ＭＳ Ｐゴシック" pitchFamily="-106" charset="-128"/>
+              </a:defRPr>
+            </a:lvl1pPr>
+            <a:lvl2pPr eaLnBrk="0" hangingPunct="0">
+              <a:defRPr sz="2000">
+                <a:solidFill>
+                  <a:schemeClr val="tx1"/>
+                </a:solidFill>
+                <a:latin typeface="Arial"/>
+                <a:ea typeface="ＭＳ Ｐゴシック" pitchFamily="-106" charset="-128"/>
+              </a:defRPr>
+            </a:lvl2pPr>
+            <a:lvl3pPr marL="1143000" indent="-228600" eaLnBrk="0" hangingPunct="0">
+              <a:defRPr sz="2000">
+                <a:solidFill>
+                  <a:schemeClr val="tx1"/>
+                </a:solidFill>
+                <a:latin typeface="Arial"/>
+                <a:ea typeface="ＭＳ Ｐゴシック" pitchFamily="-106" charset="-128"/>
+              </a:defRPr>
+            </a:lvl3pPr>
+            <a:lvl4pPr marL="1600200" indent="-228600" eaLnBrk="0" hangingPunct="0">
+              <a:defRPr sz="2000">
+                <a:solidFill>
+                  <a:schemeClr val="tx1"/>
+                </a:solidFill>
+                <a:latin typeface="Arial"/>
+                <a:ea typeface="ＭＳ Ｐゴシック" pitchFamily="-106" charset="-128"/>
+              </a:defRPr>
+            </a:lvl4pPr>
+            <a:lvl5pPr marL="2057400" indent="-228600" eaLnBrk="0" hangingPunct="0">
+              <a:defRPr sz="2000">
+                <a:solidFill>
+                  <a:schemeClr val="tx1"/>
+                </a:solidFill>
+                <a:latin typeface="Arial"/>
+                <a:ea typeface="ＭＳ Ｐゴシック" pitchFamily="-106" charset="-128"/>
+              </a:defRPr>
+            </a:lvl5pPr>
+            <a:lvl6pPr marL="2514600" indent="-228600" eaLnBrk="0" fontAlgn="base" hangingPunct="0">
+              <a:spcBef>
+                <a:spcPct val="0"/>
+              </a:spcBef>
+              <a:spcAft>
+                <a:spcPct val="0"/>
+              </a:spcAft>
+              <a:defRPr sz="2000">
+                <a:solidFill>
+                  <a:schemeClr val="tx1"/>
+                </a:solidFill>
+                <a:latin typeface="Arial"/>
+                <a:ea typeface="ＭＳ Ｐゴシック" pitchFamily="-106" charset="-128"/>
+              </a:defRPr>
+            </a:lvl6pPr>
+            <a:lvl7pPr marL="2971800" indent="-228600" eaLnBrk="0" fontAlgn="base" hangingPunct="0">
+              <a:spcBef>
+                <a:spcPct val="0"/>
+              </a:spcBef>
+              <a:spcAft>
+                <a:spcPct val="0"/>
+              </a:spcAft>
+              <a:defRPr sz="2000">
+                <a:solidFill>
+                  <a:schemeClr val="tx1"/>
+                </a:solidFill>
+                <a:latin typeface="Arial"/>
+                <a:ea typeface="ＭＳ Ｐゴシック" pitchFamily="-106" charset="-128"/>
+              </a:defRPr>
+            </a:lvl7pPr>
+            <a:lvl8pPr marL="3429000" indent="-228600" eaLnBrk="0" fontAlgn="base" hangingPunct="0">
+              <a:spcBef>
+                <a:spcPct val="0"/>
+              </a:spcBef>
+              <a:spcAft>
+                <a:spcPct val="0"/>
+              </a:spcAft>
+              <a:defRPr sz="2000">
+                <a:solidFill>
+                  <a:schemeClr val="tx1"/>
+                </a:solidFill>
+                <a:latin typeface="Arial"/>
+                <a:ea typeface="ＭＳ Ｐゴシック" pitchFamily="-106" charset="-128"/>
+              </a:defRPr>
+            </a:lvl8pPr>
+            <a:lvl9pPr marL="3886200" indent="-228600" eaLnBrk="0" fontAlgn="base" hangingPunct="0">
+              <a:spcBef>
+                <a:spcPct val="0"/>
+              </a:spcBef>
+              <a:spcAft>
+                <a:spcPct val="0"/>
+              </a:spcAft>
+              <a:defRPr sz="2000">
+                <a:solidFill>
+                  <a:schemeClr val="tx1"/>
+                </a:solidFill>
+                <a:latin typeface="Arial"/>
+                <a:ea typeface="ＭＳ Ｐゴシック" pitchFamily="-106" charset="-128"/>
+              </a:defRPr>
+            </a:lvl9pPr>
+          </a:lstStyle>
+          <a:p>
+            <a:pPr>
+              <a:lnSpc>
+                <a:spcPct val="110000"/>
+              </a:lnSpc>
+            </a:pPr>
+            <a:r>
+              <a:rPr lang="en-US" sz="3600" b="1" dirty="0">
+                <a:effectLst/>
+                <a:latin typeface="Quattrocento Sans" panose="020B0502050000020003" pitchFamily="34" charset="0"/>
+                <a:cs typeface="Arial" pitchFamily="34" charset="0"/>
+              </a:rPr>
+              <a:t>Hybrid Learning Strategies:</a:t>
+            </a:r>
+          </a:p>
+          <a:p>
+            <a:pPr>
+              <a:lnSpc>
+                <a:spcPct val="110000"/>
+              </a:lnSpc>
+            </a:pPr>
+            <a:r>
+              <a:rPr lang="en-US" sz="3200" dirty="0">
+                <a:effectLst/>
+                <a:latin typeface="Quattrocento Sans" panose="020B0502050000020003" pitchFamily="34" charset="0"/>
+                <a:cs typeface="Arial" pitchFamily="34" charset="0"/>
+              </a:rPr>
+              <a:t>Combining SL and RL approaches</a:t>
+            </a:r>
+          </a:p>
+          <a:p>
+            <a:pPr>
+              <a:lnSpc>
+                <a:spcPct val="110000"/>
+              </a:lnSpc>
+            </a:pPr>
+            <a:r>
+              <a:rPr lang="en-US" sz="3200" dirty="0">
+                <a:effectLst/>
+                <a:latin typeface="Quattrocento Sans" panose="020B0502050000020003" pitchFamily="34" charset="0"/>
+                <a:cs typeface="Arial" pitchFamily="34" charset="0"/>
+              </a:rPr>
+              <a:t>Curriculum learning for CO</a:t>
+            </a:r>
+          </a:p>
+          <a:p>
+            <a:pPr>
+              <a:lnSpc>
+                <a:spcPct val="110000"/>
+              </a:lnSpc>
+            </a:pPr>
+            <a:r>
+              <a:rPr lang="en-US" sz="3200" dirty="0">
+                <a:effectLst/>
+                <a:latin typeface="Quattrocento Sans" panose="020B0502050000020003" pitchFamily="34" charset="0"/>
+                <a:cs typeface="Arial" pitchFamily="34" charset="0"/>
+              </a:rPr>
+              <a:t>Self-supervised pretraining</a:t>
+            </a:r>
+          </a:p>
+          <a:p>
+            <a:pPr>
+              <a:lnSpc>
+                <a:spcPct val="110000"/>
+              </a:lnSpc>
+            </a:pPr>
+            <a:r>
+              <a:rPr lang="en-US" sz="3200" dirty="0">
+                <a:effectLst/>
+                <a:latin typeface="Quattrocento Sans" panose="020B0502050000020003" pitchFamily="34" charset="0"/>
+                <a:cs typeface="Arial" pitchFamily="34" charset="0"/>
+              </a:rPr>
+              <a:t>Multi-task learning strategies</a:t>
+            </a:r>
+          </a:p>
+        </p:txBody>
+      </p:sp>
     </p:spTree>
   </p:cSld>
   <p:clrMapOvr>
